--- a/ProfHong5/profhong receipt 2021-04-23.pptx
+++ b/ProfHong5/profhong receipt 2021-04-23.pptx
@@ -145,7 +145,7 @@
           <p:cNvPr id="2" name="제목 1">
             <a:extLst>
               <a:ext uri="{FF2B5EF4-FFF2-40B4-BE49-F238E27FC236}">
-                <a16:creationId xmlns:a16="http://schemas.microsoft.com/office/drawing/2014/main" xmlns="" id="{55665B21-78E0-4AE3-B11F-339D3AE39CBF}"/>
+                <a16:creationId xmlns="" xmlns:a16="http://schemas.microsoft.com/office/drawing/2014/main" id="{55665B21-78E0-4AE3-B11F-339D3AE39CBF}"/>
               </a:ext>
             </a:extLst>
           </p:cNvPr>
@@ -182,7 +182,7 @@
           <p:cNvPr id="3" name="부제목 2">
             <a:extLst>
               <a:ext uri="{FF2B5EF4-FFF2-40B4-BE49-F238E27FC236}">
-                <a16:creationId xmlns:a16="http://schemas.microsoft.com/office/drawing/2014/main" xmlns="" id="{D4E85EFB-C684-4459-BC2D-E5B42D7660D0}"/>
+                <a16:creationId xmlns="" xmlns:a16="http://schemas.microsoft.com/office/drawing/2014/main" id="{D4E85EFB-C684-4459-BC2D-E5B42D7660D0}"/>
               </a:ext>
             </a:extLst>
           </p:cNvPr>
@@ -252,7 +252,7 @@
           <p:cNvPr id="4" name="날짜 개체 틀 3">
             <a:extLst>
               <a:ext uri="{FF2B5EF4-FFF2-40B4-BE49-F238E27FC236}">
-                <a16:creationId xmlns:a16="http://schemas.microsoft.com/office/drawing/2014/main" xmlns="" id="{F9426C46-4542-4290-A731-387F2545BF48}"/>
+                <a16:creationId xmlns="" xmlns:a16="http://schemas.microsoft.com/office/drawing/2014/main" id="{F9426C46-4542-4290-A731-387F2545BF48}"/>
               </a:ext>
             </a:extLst>
           </p:cNvPr>
@@ -281,7 +281,7 @@
           <p:cNvPr id="5" name="바닥글 개체 틀 4">
             <a:extLst>
               <a:ext uri="{FF2B5EF4-FFF2-40B4-BE49-F238E27FC236}">
-                <a16:creationId xmlns:a16="http://schemas.microsoft.com/office/drawing/2014/main" xmlns="" id="{0D343EC4-9EF9-44AE-A3DD-CB0599190D27}"/>
+                <a16:creationId xmlns="" xmlns:a16="http://schemas.microsoft.com/office/drawing/2014/main" id="{0D343EC4-9EF9-44AE-A3DD-CB0599190D27}"/>
               </a:ext>
             </a:extLst>
           </p:cNvPr>
@@ -306,7 +306,7 @@
           <p:cNvPr id="6" name="슬라이드 번호 개체 틀 5">
             <a:extLst>
               <a:ext uri="{FF2B5EF4-FFF2-40B4-BE49-F238E27FC236}">
-                <a16:creationId xmlns:a16="http://schemas.microsoft.com/office/drawing/2014/main" xmlns="" id="{D7E19017-C507-4EF1-B8F6-DC2EC3E84543}"/>
+                <a16:creationId xmlns="" xmlns:a16="http://schemas.microsoft.com/office/drawing/2014/main" id="{D7E19017-C507-4EF1-B8F6-DC2EC3E84543}"/>
               </a:ext>
             </a:extLst>
           </p:cNvPr>
@@ -365,7 +365,7 @@
           <p:cNvPr id="2" name="제목 1">
             <a:extLst>
               <a:ext uri="{FF2B5EF4-FFF2-40B4-BE49-F238E27FC236}">
-                <a16:creationId xmlns:a16="http://schemas.microsoft.com/office/drawing/2014/main" xmlns="" id="{804F3459-B557-4953-8616-C6465E4AA923}"/>
+                <a16:creationId xmlns="" xmlns:a16="http://schemas.microsoft.com/office/drawing/2014/main" id="{804F3459-B557-4953-8616-C6465E4AA923}"/>
               </a:ext>
             </a:extLst>
           </p:cNvPr>
@@ -393,7 +393,7 @@
           <p:cNvPr id="3" name="세로 텍스트 개체 틀 2">
             <a:extLst>
               <a:ext uri="{FF2B5EF4-FFF2-40B4-BE49-F238E27FC236}">
-                <a16:creationId xmlns:a16="http://schemas.microsoft.com/office/drawing/2014/main" xmlns="" id="{1EF0E14C-D3CC-46F9-A443-D875CC0C9026}"/>
+                <a16:creationId xmlns="" xmlns:a16="http://schemas.microsoft.com/office/drawing/2014/main" id="{1EF0E14C-D3CC-46F9-A443-D875CC0C9026}"/>
               </a:ext>
             </a:extLst>
           </p:cNvPr>
@@ -450,7 +450,7 @@
           <p:cNvPr id="4" name="날짜 개체 틀 3">
             <a:extLst>
               <a:ext uri="{FF2B5EF4-FFF2-40B4-BE49-F238E27FC236}">
-                <a16:creationId xmlns:a16="http://schemas.microsoft.com/office/drawing/2014/main" xmlns="" id="{0E80C667-11F1-4275-8D1B-9A756EBC4C31}"/>
+                <a16:creationId xmlns="" xmlns:a16="http://schemas.microsoft.com/office/drawing/2014/main" id="{0E80C667-11F1-4275-8D1B-9A756EBC4C31}"/>
               </a:ext>
             </a:extLst>
           </p:cNvPr>
@@ -479,7 +479,7 @@
           <p:cNvPr id="5" name="바닥글 개체 틀 4">
             <a:extLst>
               <a:ext uri="{FF2B5EF4-FFF2-40B4-BE49-F238E27FC236}">
-                <a16:creationId xmlns:a16="http://schemas.microsoft.com/office/drawing/2014/main" xmlns="" id="{79CE94A9-79AF-4CF9-8AA1-C4305FB74550}"/>
+                <a16:creationId xmlns="" xmlns:a16="http://schemas.microsoft.com/office/drawing/2014/main" id="{79CE94A9-79AF-4CF9-8AA1-C4305FB74550}"/>
               </a:ext>
             </a:extLst>
           </p:cNvPr>
@@ -504,7 +504,7 @@
           <p:cNvPr id="6" name="슬라이드 번호 개체 틀 5">
             <a:extLst>
               <a:ext uri="{FF2B5EF4-FFF2-40B4-BE49-F238E27FC236}">
-                <a16:creationId xmlns:a16="http://schemas.microsoft.com/office/drawing/2014/main" xmlns="" id="{37EB01A8-1F6F-4E9F-974A-18A0292A0F02}"/>
+                <a16:creationId xmlns="" xmlns:a16="http://schemas.microsoft.com/office/drawing/2014/main" id="{37EB01A8-1F6F-4E9F-974A-18A0292A0F02}"/>
               </a:ext>
             </a:extLst>
           </p:cNvPr>
@@ -563,7 +563,7 @@
           <p:cNvPr id="2" name="세로 제목 1">
             <a:extLst>
               <a:ext uri="{FF2B5EF4-FFF2-40B4-BE49-F238E27FC236}">
-                <a16:creationId xmlns:a16="http://schemas.microsoft.com/office/drawing/2014/main" xmlns="" id="{26FE0E50-3FAD-4CB1-919B-64553C6DF6F9}"/>
+                <a16:creationId xmlns="" xmlns:a16="http://schemas.microsoft.com/office/drawing/2014/main" id="{26FE0E50-3FAD-4CB1-919B-64553C6DF6F9}"/>
               </a:ext>
             </a:extLst>
           </p:cNvPr>
@@ -596,7 +596,7 @@
           <p:cNvPr id="3" name="세로 텍스트 개체 틀 2">
             <a:extLst>
               <a:ext uri="{FF2B5EF4-FFF2-40B4-BE49-F238E27FC236}">
-                <a16:creationId xmlns:a16="http://schemas.microsoft.com/office/drawing/2014/main" xmlns="" id="{A485EAD6-A022-48FD-89C5-98F62619811C}"/>
+                <a16:creationId xmlns="" xmlns:a16="http://schemas.microsoft.com/office/drawing/2014/main" id="{A485EAD6-A022-48FD-89C5-98F62619811C}"/>
               </a:ext>
             </a:extLst>
           </p:cNvPr>
@@ -658,7 +658,7 @@
           <p:cNvPr id="4" name="날짜 개체 틀 3">
             <a:extLst>
               <a:ext uri="{FF2B5EF4-FFF2-40B4-BE49-F238E27FC236}">
-                <a16:creationId xmlns:a16="http://schemas.microsoft.com/office/drawing/2014/main" xmlns="" id="{616A29BF-03F7-4F12-81FB-6FE1AC276C1B}"/>
+                <a16:creationId xmlns="" xmlns:a16="http://schemas.microsoft.com/office/drawing/2014/main" id="{616A29BF-03F7-4F12-81FB-6FE1AC276C1B}"/>
               </a:ext>
             </a:extLst>
           </p:cNvPr>
@@ -687,7 +687,7 @@
           <p:cNvPr id="5" name="바닥글 개체 틀 4">
             <a:extLst>
               <a:ext uri="{FF2B5EF4-FFF2-40B4-BE49-F238E27FC236}">
-                <a16:creationId xmlns:a16="http://schemas.microsoft.com/office/drawing/2014/main" xmlns="" id="{C59CF343-A0F1-483F-A724-F8A2A2059537}"/>
+                <a16:creationId xmlns="" xmlns:a16="http://schemas.microsoft.com/office/drawing/2014/main" id="{C59CF343-A0F1-483F-A724-F8A2A2059537}"/>
               </a:ext>
             </a:extLst>
           </p:cNvPr>
@@ -712,7 +712,7 @@
           <p:cNvPr id="6" name="슬라이드 번호 개체 틀 5">
             <a:extLst>
               <a:ext uri="{FF2B5EF4-FFF2-40B4-BE49-F238E27FC236}">
-                <a16:creationId xmlns:a16="http://schemas.microsoft.com/office/drawing/2014/main" xmlns="" id="{5BFC54B9-BE85-49EC-A4EC-421985D38D0C}"/>
+                <a16:creationId xmlns="" xmlns:a16="http://schemas.microsoft.com/office/drawing/2014/main" id="{5BFC54B9-BE85-49EC-A4EC-421985D38D0C}"/>
               </a:ext>
             </a:extLst>
           </p:cNvPr>
@@ -771,7 +771,7 @@
           <p:cNvPr id="2" name="제목 1">
             <a:extLst>
               <a:ext uri="{FF2B5EF4-FFF2-40B4-BE49-F238E27FC236}">
-                <a16:creationId xmlns:a16="http://schemas.microsoft.com/office/drawing/2014/main" xmlns="" id="{C7B323B7-72D8-4341-9E3C-EEFD9C9740CA}"/>
+                <a16:creationId xmlns="" xmlns:a16="http://schemas.microsoft.com/office/drawing/2014/main" id="{C7B323B7-72D8-4341-9E3C-EEFD9C9740CA}"/>
               </a:ext>
             </a:extLst>
           </p:cNvPr>
@@ -799,7 +799,7 @@
           <p:cNvPr id="3" name="내용 개체 틀 2">
             <a:extLst>
               <a:ext uri="{FF2B5EF4-FFF2-40B4-BE49-F238E27FC236}">
-                <a16:creationId xmlns:a16="http://schemas.microsoft.com/office/drawing/2014/main" xmlns="" id="{5FD849C7-E040-4D9B-B90F-075E18995E18}"/>
+                <a16:creationId xmlns="" xmlns:a16="http://schemas.microsoft.com/office/drawing/2014/main" id="{5FD849C7-E040-4D9B-B90F-075E18995E18}"/>
               </a:ext>
             </a:extLst>
           </p:cNvPr>
@@ -856,7 +856,7 @@
           <p:cNvPr id="4" name="날짜 개체 틀 3">
             <a:extLst>
               <a:ext uri="{FF2B5EF4-FFF2-40B4-BE49-F238E27FC236}">
-                <a16:creationId xmlns:a16="http://schemas.microsoft.com/office/drawing/2014/main" xmlns="" id="{F4153352-C629-4D1A-AC52-9B420E2038FA}"/>
+                <a16:creationId xmlns="" xmlns:a16="http://schemas.microsoft.com/office/drawing/2014/main" id="{F4153352-C629-4D1A-AC52-9B420E2038FA}"/>
               </a:ext>
             </a:extLst>
           </p:cNvPr>
@@ -885,7 +885,7 @@
           <p:cNvPr id="5" name="바닥글 개체 틀 4">
             <a:extLst>
               <a:ext uri="{FF2B5EF4-FFF2-40B4-BE49-F238E27FC236}">
-                <a16:creationId xmlns:a16="http://schemas.microsoft.com/office/drawing/2014/main" xmlns="" id="{82B53D0B-07E6-45DD-A8BF-E2A2587ECB5A}"/>
+                <a16:creationId xmlns="" xmlns:a16="http://schemas.microsoft.com/office/drawing/2014/main" id="{82B53D0B-07E6-45DD-A8BF-E2A2587ECB5A}"/>
               </a:ext>
             </a:extLst>
           </p:cNvPr>
@@ -910,7 +910,7 @@
           <p:cNvPr id="6" name="슬라이드 번호 개체 틀 5">
             <a:extLst>
               <a:ext uri="{FF2B5EF4-FFF2-40B4-BE49-F238E27FC236}">
-                <a16:creationId xmlns:a16="http://schemas.microsoft.com/office/drawing/2014/main" xmlns="" id="{AA01822E-9C49-4677-B1D3-B1F187DBEC26}"/>
+                <a16:creationId xmlns="" xmlns:a16="http://schemas.microsoft.com/office/drawing/2014/main" id="{AA01822E-9C49-4677-B1D3-B1F187DBEC26}"/>
               </a:ext>
             </a:extLst>
           </p:cNvPr>
@@ -969,7 +969,7 @@
           <p:cNvPr id="2" name="제목 1">
             <a:extLst>
               <a:ext uri="{FF2B5EF4-FFF2-40B4-BE49-F238E27FC236}">
-                <a16:creationId xmlns:a16="http://schemas.microsoft.com/office/drawing/2014/main" xmlns="" id="{126D31A8-1FF5-4D17-9A3D-BC55A4BA73D4}"/>
+                <a16:creationId xmlns="" xmlns:a16="http://schemas.microsoft.com/office/drawing/2014/main" id="{126D31A8-1FF5-4D17-9A3D-BC55A4BA73D4}"/>
               </a:ext>
             </a:extLst>
           </p:cNvPr>
@@ -1006,7 +1006,7 @@
           <p:cNvPr id="3" name="텍스트 개체 틀 2">
             <a:extLst>
               <a:ext uri="{FF2B5EF4-FFF2-40B4-BE49-F238E27FC236}">
-                <a16:creationId xmlns:a16="http://schemas.microsoft.com/office/drawing/2014/main" xmlns="" id="{1E35249C-DAFF-4DD6-AA90-B6E72412DFB3}"/>
+                <a16:creationId xmlns="" xmlns:a16="http://schemas.microsoft.com/office/drawing/2014/main" id="{1E35249C-DAFF-4DD6-AA90-B6E72412DFB3}"/>
               </a:ext>
             </a:extLst>
           </p:cNvPr>
@@ -1131,7 +1131,7 @@
           <p:cNvPr id="4" name="날짜 개체 틀 3">
             <a:extLst>
               <a:ext uri="{FF2B5EF4-FFF2-40B4-BE49-F238E27FC236}">
-                <a16:creationId xmlns:a16="http://schemas.microsoft.com/office/drawing/2014/main" xmlns="" id="{227AF27B-3783-4EF2-AC37-94B59E08F930}"/>
+                <a16:creationId xmlns="" xmlns:a16="http://schemas.microsoft.com/office/drawing/2014/main" id="{227AF27B-3783-4EF2-AC37-94B59E08F930}"/>
               </a:ext>
             </a:extLst>
           </p:cNvPr>
@@ -1160,7 +1160,7 @@
           <p:cNvPr id="5" name="바닥글 개체 틀 4">
             <a:extLst>
               <a:ext uri="{FF2B5EF4-FFF2-40B4-BE49-F238E27FC236}">
-                <a16:creationId xmlns:a16="http://schemas.microsoft.com/office/drawing/2014/main" xmlns="" id="{80153FDE-0DC6-4165-8E3E-19F17A54B7BF}"/>
+                <a16:creationId xmlns="" xmlns:a16="http://schemas.microsoft.com/office/drawing/2014/main" id="{80153FDE-0DC6-4165-8E3E-19F17A54B7BF}"/>
               </a:ext>
             </a:extLst>
           </p:cNvPr>
@@ -1185,7 +1185,7 @@
           <p:cNvPr id="6" name="슬라이드 번호 개체 틀 5">
             <a:extLst>
               <a:ext uri="{FF2B5EF4-FFF2-40B4-BE49-F238E27FC236}">
-                <a16:creationId xmlns:a16="http://schemas.microsoft.com/office/drawing/2014/main" xmlns="" id="{CD3FAEF5-4041-4AE1-AB4B-F689A15EF263}"/>
+                <a16:creationId xmlns="" xmlns:a16="http://schemas.microsoft.com/office/drawing/2014/main" id="{CD3FAEF5-4041-4AE1-AB4B-F689A15EF263}"/>
               </a:ext>
             </a:extLst>
           </p:cNvPr>
@@ -1244,7 +1244,7 @@
           <p:cNvPr id="2" name="제목 1">
             <a:extLst>
               <a:ext uri="{FF2B5EF4-FFF2-40B4-BE49-F238E27FC236}">
-                <a16:creationId xmlns:a16="http://schemas.microsoft.com/office/drawing/2014/main" xmlns="" id="{50A7847E-AEBA-46FB-839F-39221EF235AD}"/>
+                <a16:creationId xmlns="" xmlns:a16="http://schemas.microsoft.com/office/drawing/2014/main" id="{50A7847E-AEBA-46FB-839F-39221EF235AD}"/>
               </a:ext>
             </a:extLst>
           </p:cNvPr>
@@ -1272,7 +1272,7 @@
           <p:cNvPr id="3" name="내용 개체 틀 2">
             <a:extLst>
               <a:ext uri="{FF2B5EF4-FFF2-40B4-BE49-F238E27FC236}">
-                <a16:creationId xmlns:a16="http://schemas.microsoft.com/office/drawing/2014/main" xmlns="" id="{3C4582CC-FBA3-4587-AEA1-A9B927B3DEAA}"/>
+                <a16:creationId xmlns="" xmlns:a16="http://schemas.microsoft.com/office/drawing/2014/main" id="{3C4582CC-FBA3-4587-AEA1-A9B927B3DEAA}"/>
               </a:ext>
             </a:extLst>
           </p:cNvPr>
@@ -1334,7 +1334,7 @@
           <p:cNvPr id="4" name="내용 개체 틀 3">
             <a:extLst>
               <a:ext uri="{FF2B5EF4-FFF2-40B4-BE49-F238E27FC236}">
-                <a16:creationId xmlns:a16="http://schemas.microsoft.com/office/drawing/2014/main" xmlns="" id="{92FD00D9-BB06-43A1-854B-3975A7B3B2B9}"/>
+                <a16:creationId xmlns="" xmlns:a16="http://schemas.microsoft.com/office/drawing/2014/main" id="{92FD00D9-BB06-43A1-854B-3975A7B3B2B9}"/>
               </a:ext>
             </a:extLst>
           </p:cNvPr>
@@ -1396,7 +1396,7 @@
           <p:cNvPr id="5" name="날짜 개체 틀 4">
             <a:extLst>
               <a:ext uri="{FF2B5EF4-FFF2-40B4-BE49-F238E27FC236}">
-                <a16:creationId xmlns:a16="http://schemas.microsoft.com/office/drawing/2014/main" xmlns="" id="{3FB4C964-C10A-4E8E-8EAC-94AD6D8EC2BD}"/>
+                <a16:creationId xmlns="" xmlns:a16="http://schemas.microsoft.com/office/drawing/2014/main" id="{3FB4C964-C10A-4E8E-8EAC-94AD6D8EC2BD}"/>
               </a:ext>
             </a:extLst>
           </p:cNvPr>
@@ -1425,7 +1425,7 @@
           <p:cNvPr id="6" name="바닥글 개체 틀 5">
             <a:extLst>
               <a:ext uri="{FF2B5EF4-FFF2-40B4-BE49-F238E27FC236}">
-                <a16:creationId xmlns:a16="http://schemas.microsoft.com/office/drawing/2014/main" xmlns="" id="{C6C99B93-0CF3-4322-AC67-8CB67EE78CE4}"/>
+                <a16:creationId xmlns="" xmlns:a16="http://schemas.microsoft.com/office/drawing/2014/main" id="{C6C99B93-0CF3-4322-AC67-8CB67EE78CE4}"/>
               </a:ext>
             </a:extLst>
           </p:cNvPr>
@@ -1450,7 +1450,7 @@
           <p:cNvPr id="7" name="슬라이드 번호 개체 틀 6">
             <a:extLst>
               <a:ext uri="{FF2B5EF4-FFF2-40B4-BE49-F238E27FC236}">
-                <a16:creationId xmlns:a16="http://schemas.microsoft.com/office/drawing/2014/main" xmlns="" id="{E419BB60-B8D2-46B5-8F99-6C012175F515}"/>
+                <a16:creationId xmlns="" xmlns:a16="http://schemas.microsoft.com/office/drawing/2014/main" id="{E419BB60-B8D2-46B5-8F99-6C012175F515}"/>
               </a:ext>
             </a:extLst>
           </p:cNvPr>
@@ -1509,7 +1509,7 @@
           <p:cNvPr id="2" name="제목 1">
             <a:extLst>
               <a:ext uri="{FF2B5EF4-FFF2-40B4-BE49-F238E27FC236}">
-                <a16:creationId xmlns:a16="http://schemas.microsoft.com/office/drawing/2014/main" xmlns="" id="{E04D17CE-B3EA-4C65-9340-40FDB7FF1EF6}"/>
+                <a16:creationId xmlns="" xmlns:a16="http://schemas.microsoft.com/office/drawing/2014/main" id="{E04D17CE-B3EA-4C65-9340-40FDB7FF1EF6}"/>
               </a:ext>
             </a:extLst>
           </p:cNvPr>
@@ -1542,7 +1542,7 @@
           <p:cNvPr id="3" name="텍스트 개체 틀 2">
             <a:extLst>
               <a:ext uri="{FF2B5EF4-FFF2-40B4-BE49-F238E27FC236}">
-                <a16:creationId xmlns:a16="http://schemas.microsoft.com/office/drawing/2014/main" xmlns="" id="{FFFA3943-480F-4D71-A866-7563F53ED423}"/>
+                <a16:creationId xmlns="" xmlns:a16="http://schemas.microsoft.com/office/drawing/2014/main" id="{FFFA3943-480F-4D71-A866-7563F53ED423}"/>
               </a:ext>
             </a:extLst>
           </p:cNvPr>
@@ -1613,7 +1613,7 @@
           <p:cNvPr id="4" name="내용 개체 틀 3">
             <a:extLst>
               <a:ext uri="{FF2B5EF4-FFF2-40B4-BE49-F238E27FC236}">
-                <a16:creationId xmlns:a16="http://schemas.microsoft.com/office/drawing/2014/main" xmlns="" id="{54B0037B-914B-488F-90AD-1B7EB350B136}"/>
+                <a16:creationId xmlns="" xmlns:a16="http://schemas.microsoft.com/office/drawing/2014/main" id="{54B0037B-914B-488F-90AD-1B7EB350B136}"/>
               </a:ext>
             </a:extLst>
           </p:cNvPr>
@@ -1675,7 +1675,7 @@
           <p:cNvPr id="5" name="텍스트 개체 틀 4">
             <a:extLst>
               <a:ext uri="{FF2B5EF4-FFF2-40B4-BE49-F238E27FC236}">
-                <a16:creationId xmlns:a16="http://schemas.microsoft.com/office/drawing/2014/main" xmlns="" id="{1EE7D0A2-84C2-4F4E-BAF8-307E1F1CD95E}"/>
+                <a16:creationId xmlns="" xmlns:a16="http://schemas.microsoft.com/office/drawing/2014/main" id="{1EE7D0A2-84C2-4F4E-BAF8-307E1F1CD95E}"/>
               </a:ext>
             </a:extLst>
           </p:cNvPr>
@@ -1746,7 +1746,7 @@
           <p:cNvPr id="6" name="내용 개체 틀 5">
             <a:extLst>
               <a:ext uri="{FF2B5EF4-FFF2-40B4-BE49-F238E27FC236}">
-                <a16:creationId xmlns:a16="http://schemas.microsoft.com/office/drawing/2014/main" xmlns="" id="{1F361350-BA8A-4A95-B86C-5A63CB7241F8}"/>
+                <a16:creationId xmlns="" xmlns:a16="http://schemas.microsoft.com/office/drawing/2014/main" id="{1F361350-BA8A-4A95-B86C-5A63CB7241F8}"/>
               </a:ext>
             </a:extLst>
           </p:cNvPr>
@@ -1808,7 +1808,7 @@
           <p:cNvPr id="7" name="날짜 개체 틀 6">
             <a:extLst>
               <a:ext uri="{FF2B5EF4-FFF2-40B4-BE49-F238E27FC236}">
-                <a16:creationId xmlns:a16="http://schemas.microsoft.com/office/drawing/2014/main" xmlns="" id="{F9DD8E80-0120-450E-8C44-4B273A5A4F98}"/>
+                <a16:creationId xmlns="" xmlns:a16="http://schemas.microsoft.com/office/drawing/2014/main" id="{F9DD8E80-0120-450E-8C44-4B273A5A4F98}"/>
               </a:ext>
             </a:extLst>
           </p:cNvPr>
@@ -1837,7 +1837,7 @@
           <p:cNvPr id="8" name="바닥글 개체 틀 7">
             <a:extLst>
               <a:ext uri="{FF2B5EF4-FFF2-40B4-BE49-F238E27FC236}">
-                <a16:creationId xmlns:a16="http://schemas.microsoft.com/office/drawing/2014/main" xmlns="" id="{3E4BD873-8741-424B-AA68-FAE0053D8D4E}"/>
+                <a16:creationId xmlns="" xmlns:a16="http://schemas.microsoft.com/office/drawing/2014/main" id="{3E4BD873-8741-424B-AA68-FAE0053D8D4E}"/>
               </a:ext>
             </a:extLst>
           </p:cNvPr>
@@ -1862,7 +1862,7 @@
           <p:cNvPr id="9" name="슬라이드 번호 개체 틀 8">
             <a:extLst>
               <a:ext uri="{FF2B5EF4-FFF2-40B4-BE49-F238E27FC236}">
-                <a16:creationId xmlns:a16="http://schemas.microsoft.com/office/drawing/2014/main" xmlns="" id="{360A972F-CD98-46BF-9C7A-6E24BB4F9833}"/>
+                <a16:creationId xmlns="" xmlns:a16="http://schemas.microsoft.com/office/drawing/2014/main" id="{360A972F-CD98-46BF-9C7A-6E24BB4F9833}"/>
               </a:ext>
             </a:extLst>
           </p:cNvPr>
@@ -1921,7 +1921,7 @@
           <p:cNvPr id="2" name="제목 1">
             <a:extLst>
               <a:ext uri="{FF2B5EF4-FFF2-40B4-BE49-F238E27FC236}">
-                <a16:creationId xmlns:a16="http://schemas.microsoft.com/office/drawing/2014/main" xmlns="" id="{162E9601-8EAB-48C8-AF16-C8C770CD60B2}"/>
+                <a16:creationId xmlns="" xmlns:a16="http://schemas.microsoft.com/office/drawing/2014/main" id="{162E9601-8EAB-48C8-AF16-C8C770CD60B2}"/>
               </a:ext>
             </a:extLst>
           </p:cNvPr>
@@ -1949,7 +1949,7 @@
           <p:cNvPr id="3" name="날짜 개체 틀 2">
             <a:extLst>
               <a:ext uri="{FF2B5EF4-FFF2-40B4-BE49-F238E27FC236}">
-                <a16:creationId xmlns:a16="http://schemas.microsoft.com/office/drawing/2014/main" xmlns="" id="{F404A557-FEDD-4A6F-B85E-5826636C7870}"/>
+                <a16:creationId xmlns="" xmlns:a16="http://schemas.microsoft.com/office/drawing/2014/main" id="{F404A557-FEDD-4A6F-B85E-5826636C7870}"/>
               </a:ext>
             </a:extLst>
           </p:cNvPr>
@@ -1978,7 +1978,7 @@
           <p:cNvPr id="4" name="바닥글 개체 틀 3">
             <a:extLst>
               <a:ext uri="{FF2B5EF4-FFF2-40B4-BE49-F238E27FC236}">
-                <a16:creationId xmlns:a16="http://schemas.microsoft.com/office/drawing/2014/main" xmlns="" id="{8F2196F1-5BA8-4438-BCA3-34D71DD5B98C}"/>
+                <a16:creationId xmlns="" xmlns:a16="http://schemas.microsoft.com/office/drawing/2014/main" id="{8F2196F1-5BA8-4438-BCA3-34D71DD5B98C}"/>
               </a:ext>
             </a:extLst>
           </p:cNvPr>
@@ -2003,7 +2003,7 @@
           <p:cNvPr id="5" name="슬라이드 번호 개체 틀 4">
             <a:extLst>
               <a:ext uri="{FF2B5EF4-FFF2-40B4-BE49-F238E27FC236}">
-                <a16:creationId xmlns:a16="http://schemas.microsoft.com/office/drawing/2014/main" xmlns="" id="{9843ACBD-2B31-42BF-984B-F5736B89672E}"/>
+                <a16:creationId xmlns="" xmlns:a16="http://schemas.microsoft.com/office/drawing/2014/main" id="{9843ACBD-2B31-42BF-984B-F5736B89672E}"/>
               </a:ext>
             </a:extLst>
           </p:cNvPr>
@@ -2062,7 +2062,7 @@
           <p:cNvPr id="2" name="날짜 개체 틀 1">
             <a:extLst>
               <a:ext uri="{FF2B5EF4-FFF2-40B4-BE49-F238E27FC236}">
-                <a16:creationId xmlns:a16="http://schemas.microsoft.com/office/drawing/2014/main" xmlns="" id="{5DDF145E-2D6D-42D2-9707-2A6FD4C979F2}"/>
+                <a16:creationId xmlns="" xmlns:a16="http://schemas.microsoft.com/office/drawing/2014/main" id="{5DDF145E-2D6D-42D2-9707-2A6FD4C979F2}"/>
               </a:ext>
             </a:extLst>
           </p:cNvPr>
@@ -2091,7 +2091,7 @@
           <p:cNvPr id="3" name="바닥글 개체 틀 2">
             <a:extLst>
               <a:ext uri="{FF2B5EF4-FFF2-40B4-BE49-F238E27FC236}">
-                <a16:creationId xmlns:a16="http://schemas.microsoft.com/office/drawing/2014/main" xmlns="" id="{F5F1CC19-D0F9-475D-A0EB-F4A92941970F}"/>
+                <a16:creationId xmlns="" xmlns:a16="http://schemas.microsoft.com/office/drawing/2014/main" id="{F5F1CC19-D0F9-475D-A0EB-F4A92941970F}"/>
               </a:ext>
             </a:extLst>
           </p:cNvPr>
@@ -2116,7 +2116,7 @@
           <p:cNvPr id="4" name="슬라이드 번호 개체 틀 3">
             <a:extLst>
               <a:ext uri="{FF2B5EF4-FFF2-40B4-BE49-F238E27FC236}">
-                <a16:creationId xmlns:a16="http://schemas.microsoft.com/office/drawing/2014/main" xmlns="" id="{5189DA28-8A04-4723-BB36-FB9E2C60E81D}"/>
+                <a16:creationId xmlns="" xmlns:a16="http://schemas.microsoft.com/office/drawing/2014/main" id="{5189DA28-8A04-4723-BB36-FB9E2C60E81D}"/>
               </a:ext>
             </a:extLst>
           </p:cNvPr>
@@ -2175,7 +2175,7 @@
           <p:cNvPr id="2" name="제목 1">
             <a:extLst>
               <a:ext uri="{FF2B5EF4-FFF2-40B4-BE49-F238E27FC236}">
-                <a16:creationId xmlns:a16="http://schemas.microsoft.com/office/drawing/2014/main" xmlns="" id="{35598353-BA4F-4FC5-B9B8-3711F99E5544}"/>
+                <a16:creationId xmlns="" xmlns:a16="http://schemas.microsoft.com/office/drawing/2014/main" id="{35598353-BA4F-4FC5-B9B8-3711F99E5544}"/>
               </a:ext>
             </a:extLst>
           </p:cNvPr>
@@ -2212,7 +2212,7 @@
           <p:cNvPr id="3" name="내용 개체 틀 2">
             <a:extLst>
               <a:ext uri="{FF2B5EF4-FFF2-40B4-BE49-F238E27FC236}">
-                <a16:creationId xmlns:a16="http://schemas.microsoft.com/office/drawing/2014/main" xmlns="" id="{8ABCBC53-579C-43AD-A775-406AE1399628}"/>
+                <a16:creationId xmlns="" xmlns:a16="http://schemas.microsoft.com/office/drawing/2014/main" id="{8ABCBC53-579C-43AD-A775-406AE1399628}"/>
               </a:ext>
             </a:extLst>
           </p:cNvPr>
@@ -2302,7 +2302,7 @@
           <p:cNvPr id="4" name="텍스트 개체 틀 3">
             <a:extLst>
               <a:ext uri="{FF2B5EF4-FFF2-40B4-BE49-F238E27FC236}">
-                <a16:creationId xmlns:a16="http://schemas.microsoft.com/office/drawing/2014/main" xmlns="" id="{A85B575B-5422-4D2C-9BF2-AADB5C0AE702}"/>
+                <a16:creationId xmlns="" xmlns:a16="http://schemas.microsoft.com/office/drawing/2014/main" id="{A85B575B-5422-4D2C-9BF2-AADB5C0AE702}"/>
               </a:ext>
             </a:extLst>
           </p:cNvPr>
@@ -2373,7 +2373,7 @@
           <p:cNvPr id="5" name="날짜 개체 틀 4">
             <a:extLst>
               <a:ext uri="{FF2B5EF4-FFF2-40B4-BE49-F238E27FC236}">
-                <a16:creationId xmlns:a16="http://schemas.microsoft.com/office/drawing/2014/main" xmlns="" id="{13BA6D18-BE9C-46C4-8E9C-2BA487D30D65}"/>
+                <a16:creationId xmlns="" xmlns:a16="http://schemas.microsoft.com/office/drawing/2014/main" id="{13BA6D18-BE9C-46C4-8E9C-2BA487D30D65}"/>
               </a:ext>
             </a:extLst>
           </p:cNvPr>
@@ -2402,7 +2402,7 @@
           <p:cNvPr id="6" name="바닥글 개체 틀 5">
             <a:extLst>
               <a:ext uri="{FF2B5EF4-FFF2-40B4-BE49-F238E27FC236}">
-                <a16:creationId xmlns:a16="http://schemas.microsoft.com/office/drawing/2014/main" xmlns="" id="{4E6543F0-5C24-4926-91E1-E75CF99220DD}"/>
+                <a16:creationId xmlns="" xmlns:a16="http://schemas.microsoft.com/office/drawing/2014/main" id="{4E6543F0-5C24-4926-91E1-E75CF99220DD}"/>
               </a:ext>
             </a:extLst>
           </p:cNvPr>
@@ -2427,7 +2427,7 @@
           <p:cNvPr id="7" name="슬라이드 번호 개체 틀 6">
             <a:extLst>
               <a:ext uri="{FF2B5EF4-FFF2-40B4-BE49-F238E27FC236}">
-                <a16:creationId xmlns:a16="http://schemas.microsoft.com/office/drawing/2014/main" xmlns="" id="{5E1A06D0-D0BA-4C87-A85F-4990157EC1DF}"/>
+                <a16:creationId xmlns="" xmlns:a16="http://schemas.microsoft.com/office/drawing/2014/main" id="{5E1A06D0-D0BA-4C87-A85F-4990157EC1DF}"/>
               </a:ext>
             </a:extLst>
           </p:cNvPr>
@@ -2486,7 +2486,7 @@
           <p:cNvPr id="2" name="제목 1">
             <a:extLst>
               <a:ext uri="{FF2B5EF4-FFF2-40B4-BE49-F238E27FC236}">
-                <a16:creationId xmlns:a16="http://schemas.microsoft.com/office/drawing/2014/main" xmlns="" id="{3638EDD7-C474-4F60-A879-2D9F25C5C837}"/>
+                <a16:creationId xmlns="" xmlns:a16="http://schemas.microsoft.com/office/drawing/2014/main" id="{3638EDD7-C474-4F60-A879-2D9F25C5C837}"/>
               </a:ext>
             </a:extLst>
           </p:cNvPr>
@@ -2523,7 +2523,7 @@
           <p:cNvPr id="3" name="그림 개체 틀 2">
             <a:extLst>
               <a:ext uri="{FF2B5EF4-FFF2-40B4-BE49-F238E27FC236}">
-                <a16:creationId xmlns:a16="http://schemas.microsoft.com/office/drawing/2014/main" xmlns="" id="{F5C621B7-A284-4190-927D-C46111E81C3A}"/>
+                <a16:creationId xmlns="" xmlns:a16="http://schemas.microsoft.com/office/drawing/2014/main" id="{F5C621B7-A284-4190-927D-C46111E81C3A}"/>
               </a:ext>
             </a:extLst>
           </p:cNvPr>
@@ -2590,7 +2590,7 @@
           <p:cNvPr id="4" name="텍스트 개체 틀 3">
             <a:extLst>
               <a:ext uri="{FF2B5EF4-FFF2-40B4-BE49-F238E27FC236}">
-                <a16:creationId xmlns:a16="http://schemas.microsoft.com/office/drawing/2014/main" xmlns="" id="{58FBC0A5-9EED-4CCD-BF17-304DEB9343DC}"/>
+                <a16:creationId xmlns="" xmlns:a16="http://schemas.microsoft.com/office/drawing/2014/main" id="{58FBC0A5-9EED-4CCD-BF17-304DEB9343DC}"/>
               </a:ext>
             </a:extLst>
           </p:cNvPr>
@@ -2661,7 +2661,7 @@
           <p:cNvPr id="5" name="날짜 개체 틀 4">
             <a:extLst>
               <a:ext uri="{FF2B5EF4-FFF2-40B4-BE49-F238E27FC236}">
-                <a16:creationId xmlns:a16="http://schemas.microsoft.com/office/drawing/2014/main" xmlns="" id="{257217CE-79F9-49B7-AC7D-DE938663A602}"/>
+                <a16:creationId xmlns="" xmlns:a16="http://schemas.microsoft.com/office/drawing/2014/main" id="{257217CE-79F9-49B7-AC7D-DE938663A602}"/>
               </a:ext>
             </a:extLst>
           </p:cNvPr>
@@ -2690,7 +2690,7 @@
           <p:cNvPr id="6" name="바닥글 개체 틀 5">
             <a:extLst>
               <a:ext uri="{FF2B5EF4-FFF2-40B4-BE49-F238E27FC236}">
-                <a16:creationId xmlns:a16="http://schemas.microsoft.com/office/drawing/2014/main" xmlns="" id="{9B645CCC-95DE-487A-BC43-140702B9618A}"/>
+                <a16:creationId xmlns="" xmlns:a16="http://schemas.microsoft.com/office/drawing/2014/main" id="{9B645CCC-95DE-487A-BC43-140702B9618A}"/>
               </a:ext>
             </a:extLst>
           </p:cNvPr>
@@ -2715,7 +2715,7 @@
           <p:cNvPr id="7" name="슬라이드 번호 개체 틀 6">
             <a:extLst>
               <a:ext uri="{FF2B5EF4-FFF2-40B4-BE49-F238E27FC236}">
-                <a16:creationId xmlns:a16="http://schemas.microsoft.com/office/drawing/2014/main" xmlns="" id="{AD47DEE2-7BC5-4BC8-BBBD-FBC8938E89A2}"/>
+                <a16:creationId xmlns="" xmlns:a16="http://schemas.microsoft.com/office/drawing/2014/main" id="{AD47DEE2-7BC5-4BC8-BBBD-FBC8938E89A2}"/>
               </a:ext>
             </a:extLst>
           </p:cNvPr>
@@ -2779,7 +2779,7 @@
           <p:cNvPr id="2" name="제목 개체 틀 1">
             <a:extLst>
               <a:ext uri="{FF2B5EF4-FFF2-40B4-BE49-F238E27FC236}">
-                <a16:creationId xmlns:a16="http://schemas.microsoft.com/office/drawing/2014/main" xmlns="" id="{9C8DF3EB-0563-436F-945A-C15029E5CF93}"/>
+                <a16:creationId xmlns="" xmlns:a16="http://schemas.microsoft.com/office/drawing/2014/main" id="{9C8DF3EB-0563-436F-945A-C15029E5CF93}"/>
               </a:ext>
             </a:extLst>
           </p:cNvPr>
@@ -2817,7 +2817,7 @@
           <p:cNvPr id="3" name="텍스트 개체 틀 2">
             <a:extLst>
               <a:ext uri="{FF2B5EF4-FFF2-40B4-BE49-F238E27FC236}">
-                <a16:creationId xmlns:a16="http://schemas.microsoft.com/office/drawing/2014/main" xmlns="" id="{39035A31-2EFA-42FD-B660-3C4839E70CF4}"/>
+                <a16:creationId xmlns="" xmlns:a16="http://schemas.microsoft.com/office/drawing/2014/main" id="{39035A31-2EFA-42FD-B660-3C4839E70CF4}"/>
               </a:ext>
             </a:extLst>
           </p:cNvPr>
@@ -2884,7 +2884,7 @@
           <p:cNvPr id="4" name="날짜 개체 틀 3">
             <a:extLst>
               <a:ext uri="{FF2B5EF4-FFF2-40B4-BE49-F238E27FC236}">
-                <a16:creationId xmlns:a16="http://schemas.microsoft.com/office/drawing/2014/main" xmlns="" id="{4446474B-50D2-447C-9A37-6465986A588F}"/>
+                <a16:creationId xmlns="" xmlns:a16="http://schemas.microsoft.com/office/drawing/2014/main" id="{4446474B-50D2-447C-9A37-6465986A588F}"/>
               </a:ext>
             </a:extLst>
           </p:cNvPr>
@@ -2931,7 +2931,7 @@
           <p:cNvPr id="5" name="바닥글 개체 틀 4">
             <a:extLst>
               <a:ext uri="{FF2B5EF4-FFF2-40B4-BE49-F238E27FC236}">
-                <a16:creationId xmlns:a16="http://schemas.microsoft.com/office/drawing/2014/main" xmlns="" id="{844942D3-680B-4CC1-BC97-2E4257A8A65E}"/>
+                <a16:creationId xmlns="" xmlns:a16="http://schemas.microsoft.com/office/drawing/2014/main" id="{844942D3-680B-4CC1-BC97-2E4257A8A65E}"/>
               </a:ext>
             </a:extLst>
           </p:cNvPr>
@@ -2974,7 +2974,7 @@
           <p:cNvPr id="6" name="슬라이드 번호 개체 틀 5">
             <a:extLst>
               <a:ext uri="{FF2B5EF4-FFF2-40B4-BE49-F238E27FC236}">
-                <a16:creationId xmlns:a16="http://schemas.microsoft.com/office/drawing/2014/main" xmlns="" id="{376DB81B-54E7-4B87-8E5A-0E918CCBAF6C}"/>
+                <a16:creationId xmlns="" xmlns:a16="http://schemas.microsoft.com/office/drawing/2014/main" id="{376DB81B-54E7-4B87-8E5A-0E918CCBAF6C}"/>
               </a:ext>
             </a:extLst>
           </p:cNvPr>
@@ -3342,7 +3342,7 @@
           <p:cNvPr id="2" name="제목 1">
             <a:extLst>
               <a:ext uri="{FF2B5EF4-FFF2-40B4-BE49-F238E27FC236}">
-                <a16:creationId xmlns:a16="http://schemas.microsoft.com/office/drawing/2014/main" xmlns="" id="{D46D6179-4A9A-4393-8102-6D137F5D36BA}"/>
+                <a16:creationId xmlns="" xmlns:a16="http://schemas.microsoft.com/office/drawing/2014/main" id="{D46D6179-4A9A-4393-8102-6D137F5D36BA}"/>
               </a:ext>
             </a:extLst>
           </p:cNvPr>
@@ -3430,7 +3430,7 @@
           <p:cNvPr id="2" name="제목 1">
             <a:extLst>
               <a:ext uri="{FF2B5EF4-FFF2-40B4-BE49-F238E27FC236}">
-                <a16:creationId xmlns:a16="http://schemas.microsoft.com/office/drawing/2014/main" xmlns="" id="{9970B029-687C-48F9-B755-F6FA7EDDC7B7}"/>
+                <a16:creationId xmlns="" xmlns:a16="http://schemas.microsoft.com/office/drawing/2014/main" id="{9970B029-687C-48F9-B755-F6FA7EDDC7B7}"/>
               </a:ext>
             </a:extLst>
           </p:cNvPr>
@@ -3463,7 +3463,7 @@
           <p:cNvPr id="8" name="TextBox 7">
             <a:extLst>
               <a:ext uri="{FF2B5EF4-FFF2-40B4-BE49-F238E27FC236}">
-                <a16:creationId xmlns:a16="http://schemas.microsoft.com/office/drawing/2014/main" xmlns="" id="{68A48373-FFA3-45FF-A4CD-19E4564DFEDD}"/>
+                <a16:creationId xmlns="" xmlns:a16="http://schemas.microsoft.com/office/drawing/2014/main" id="{68A48373-FFA3-45FF-A4CD-19E4564DFEDD}"/>
               </a:ext>
             </a:extLst>
           </p:cNvPr>
@@ -3545,7 +3545,7 @@
           <p:cNvPr id="9" name="TextBox 8">
             <a:extLst>
               <a:ext uri="{FF2B5EF4-FFF2-40B4-BE49-F238E27FC236}">
-                <a16:creationId xmlns:a16="http://schemas.microsoft.com/office/drawing/2014/main" xmlns="" id="{8460FB8C-AF31-498B-8513-2289CEA3C642}"/>
+                <a16:creationId xmlns="" xmlns:a16="http://schemas.microsoft.com/office/drawing/2014/main" id="{8460FB8C-AF31-498B-8513-2289CEA3C642}"/>
               </a:ext>
             </a:extLst>
           </p:cNvPr>
@@ -3612,7 +3612,6 @@
               <a:rPr lang="en-US" altLang="ko-KR" dirty="0" smtClean="0"/>
               <a:t>. </a:t>
             </a:r>
-            <a:endParaRPr lang="en-US" altLang="ko-KR" dirty="0" smtClean="0"/>
           </a:p>
         </p:txBody>
       </p:sp>
@@ -3621,7 +3620,7 @@
           <p:cNvPr id="14" name="직선 화살표 연결선 13">
             <a:extLst>
               <a:ext uri="{FF2B5EF4-FFF2-40B4-BE49-F238E27FC236}">
-                <a16:creationId xmlns:a16="http://schemas.microsoft.com/office/drawing/2014/main" xmlns="" id="{9F9743C9-CA4F-41D8-B12A-219903D8B851}"/>
+                <a16:creationId xmlns="" xmlns:a16="http://schemas.microsoft.com/office/drawing/2014/main" id="{9F9743C9-CA4F-41D8-B12A-219903D8B851}"/>
               </a:ext>
             </a:extLst>
           </p:cNvPr>
@@ -3666,7 +3665,7 @@
           <p:cNvPr id="13" name="직선 화살표 연결선 12">
             <a:extLst>
               <a:ext uri="{FF2B5EF4-FFF2-40B4-BE49-F238E27FC236}">
-                <a16:creationId xmlns:a16="http://schemas.microsoft.com/office/drawing/2014/main" xmlns="" id="{9F9743C9-CA4F-41D8-B12A-219903D8B851}"/>
+                <a16:creationId xmlns="" xmlns:a16="http://schemas.microsoft.com/office/drawing/2014/main" id="{9F9743C9-CA4F-41D8-B12A-219903D8B851}"/>
               </a:ext>
             </a:extLst>
           </p:cNvPr>
@@ -3770,7 +3769,7 @@
           <p:cNvPr id="2" name="제목 1">
             <a:extLst>
               <a:ext uri="{FF2B5EF4-FFF2-40B4-BE49-F238E27FC236}">
-                <a16:creationId xmlns:a16="http://schemas.microsoft.com/office/drawing/2014/main" xmlns="" id="{9970B029-687C-48F9-B755-F6FA7EDDC7B7}"/>
+                <a16:creationId xmlns="" xmlns:a16="http://schemas.microsoft.com/office/drawing/2014/main" id="{9970B029-687C-48F9-B755-F6FA7EDDC7B7}"/>
               </a:ext>
             </a:extLst>
           </p:cNvPr>
@@ -3803,7 +3802,7 @@
           <p:cNvPr id="8" name="TextBox 7">
             <a:extLst>
               <a:ext uri="{FF2B5EF4-FFF2-40B4-BE49-F238E27FC236}">
-                <a16:creationId xmlns:a16="http://schemas.microsoft.com/office/drawing/2014/main" xmlns="" id="{68A48373-FFA3-45FF-A4CD-19E4564DFEDD}"/>
+                <a16:creationId xmlns="" xmlns:a16="http://schemas.microsoft.com/office/drawing/2014/main" id="{68A48373-FFA3-45FF-A4CD-19E4564DFEDD}"/>
               </a:ext>
             </a:extLst>
           </p:cNvPr>
@@ -3859,7 +3858,7 @@
           <p:cNvPr id="9" name="TextBox 8">
             <a:extLst>
               <a:ext uri="{FF2B5EF4-FFF2-40B4-BE49-F238E27FC236}">
-                <a16:creationId xmlns:a16="http://schemas.microsoft.com/office/drawing/2014/main" xmlns="" id="{8460FB8C-AF31-498B-8513-2289CEA3C642}"/>
+                <a16:creationId xmlns="" xmlns:a16="http://schemas.microsoft.com/office/drawing/2014/main" id="{8460FB8C-AF31-498B-8513-2289CEA3C642}"/>
               </a:ext>
             </a:extLst>
           </p:cNvPr>
@@ -3959,7 +3958,7 @@
           <p:cNvPr id="14" name="직선 화살표 연결선 13">
             <a:extLst>
               <a:ext uri="{FF2B5EF4-FFF2-40B4-BE49-F238E27FC236}">
-                <a16:creationId xmlns:a16="http://schemas.microsoft.com/office/drawing/2014/main" xmlns="" id="{9F9743C9-CA4F-41D8-B12A-219903D8B851}"/>
+                <a16:creationId xmlns="" xmlns:a16="http://schemas.microsoft.com/office/drawing/2014/main" id="{9F9743C9-CA4F-41D8-B12A-219903D8B851}"/>
               </a:ext>
             </a:extLst>
           </p:cNvPr>
@@ -4004,7 +4003,7 @@
           <p:cNvPr id="13" name="직선 화살표 연결선 12">
             <a:extLst>
               <a:ext uri="{FF2B5EF4-FFF2-40B4-BE49-F238E27FC236}">
-                <a16:creationId xmlns:a16="http://schemas.microsoft.com/office/drawing/2014/main" xmlns="" id="{9F9743C9-CA4F-41D8-B12A-219903D8B851}"/>
+                <a16:creationId xmlns="" xmlns:a16="http://schemas.microsoft.com/office/drawing/2014/main" id="{9F9743C9-CA4F-41D8-B12A-219903D8B851}"/>
               </a:ext>
             </a:extLst>
           </p:cNvPr>
@@ -4048,7 +4047,7 @@
           <p:cNvPr id="16" name="TextBox 15">
             <a:extLst>
               <a:ext uri="{FF2B5EF4-FFF2-40B4-BE49-F238E27FC236}">
-                <a16:creationId xmlns:a16="http://schemas.microsoft.com/office/drawing/2014/main" xmlns="" id="{68A48373-FFA3-45FF-A4CD-19E4564DFEDD}"/>
+                <a16:creationId xmlns="" xmlns:a16="http://schemas.microsoft.com/office/drawing/2014/main" id="{68A48373-FFA3-45FF-A4CD-19E4564DFEDD}"/>
               </a:ext>
             </a:extLst>
           </p:cNvPr>
@@ -4126,7 +4125,7 @@
           <p:cNvPr id="2" name="제목 1">
             <a:extLst>
               <a:ext uri="{FF2B5EF4-FFF2-40B4-BE49-F238E27FC236}">
-                <a16:creationId xmlns:a16="http://schemas.microsoft.com/office/drawing/2014/main" xmlns="" id="{9970B029-687C-48F9-B755-F6FA7EDDC7B7}"/>
+                <a16:creationId xmlns="" xmlns:a16="http://schemas.microsoft.com/office/drawing/2014/main" id="{9970B029-687C-48F9-B755-F6FA7EDDC7B7}"/>
               </a:ext>
             </a:extLst>
           </p:cNvPr>
@@ -4248,7 +4247,7 @@
           <p:cNvPr id="2" name="제목 1">
             <a:extLst>
               <a:ext uri="{FF2B5EF4-FFF2-40B4-BE49-F238E27FC236}">
-                <a16:creationId xmlns:a16="http://schemas.microsoft.com/office/drawing/2014/main" xmlns="" id="{9970B029-687C-48F9-B755-F6FA7EDDC7B7}"/>
+                <a16:creationId xmlns="" xmlns:a16="http://schemas.microsoft.com/office/drawing/2014/main" id="{9970B029-687C-48F9-B755-F6FA7EDDC7B7}"/>
               </a:ext>
             </a:extLst>
           </p:cNvPr>
@@ -4271,15 +4270,207 @@
           </a:p>
         </p:txBody>
       </p:sp>
+      <p:sp>
+        <p:nvSpPr>
+          <p:cNvPr id="8" name="TextBox 7">
+            <a:extLst>
+              <a:ext uri="{FF2B5EF4-FFF2-40B4-BE49-F238E27FC236}">
+                <a16:creationId xmlns="" xmlns:a16="http://schemas.microsoft.com/office/drawing/2014/main" id="{E1C3F850-E3FB-4705-8F1E-5F13FE97ECCB}"/>
+              </a:ext>
+            </a:extLst>
+          </p:cNvPr>
+          <p:cNvSpPr txBox="1"/>
+          <p:nvPr/>
+        </p:nvSpPr>
+        <p:spPr>
+          <a:xfrm>
+            <a:off x="1394122" y="3540310"/>
+            <a:ext cx="4969164" cy="2862322"/>
+          </a:xfrm>
+          <a:prstGeom prst="rect">
+            <a:avLst/>
+          </a:prstGeom>
+          <a:noFill/>
+        </p:spPr>
+        <p:txBody>
+          <a:bodyPr wrap="square" rtlCol="0">
+            <a:spAutoFit/>
+          </a:bodyPr>
+          <a:lstStyle/>
+          <a:p>
+            <a:r>
+              <a:rPr lang="ko-KR" altLang="en-US" dirty="0"/>
+              <a:t>이 문제에서 중요한 점은 구구단을 순서대로 가로로 </a:t>
+            </a:r>
+            <a:r>
+              <a:rPr lang="en-US" altLang="ko-KR" dirty="0"/>
+              <a:t>3</a:t>
+            </a:r>
+            <a:r>
+              <a:rPr lang="ko-KR" altLang="en-US" dirty="0"/>
+              <a:t>번씩 </a:t>
+            </a:r>
+            <a:r>
+              <a:rPr lang="ko-KR" altLang="en-US" dirty="0" smtClean="0"/>
+              <a:t>줄을 바꾸면서 </a:t>
+            </a:r>
+            <a:r>
+              <a:rPr lang="ko-KR" altLang="en-US" dirty="0"/>
+              <a:t>출력하는 것입니다</a:t>
+            </a:r>
+            <a:r>
+              <a:rPr lang="en-US" altLang="ko-KR" dirty="0"/>
+              <a:t>. </a:t>
+            </a:r>
+          </a:p>
+          <a:p>
+            <a:r>
+              <a:rPr lang="ko-KR" altLang="en-US" dirty="0"/>
+              <a:t>이 문제를 풀기 위하여 </a:t>
+            </a:r>
+            <a:r>
+              <a:rPr lang="en-US" altLang="ko-KR" dirty="0"/>
+              <a:t>for </a:t>
+            </a:r>
+            <a:r>
+              <a:rPr lang="ko-KR" altLang="en-US" dirty="0"/>
+              <a:t>문 안에서 </a:t>
+            </a:r>
+            <a:r>
+              <a:rPr lang="en-US" altLang="ko-KR" dirty="0" smtClean="0"/>
+              <a:t>k17_i=k17_i+3</a:t>
+            </a:r>
+            <a:r>
+              <a:rPr lang="ko-KR" altLang="en-US" dirty="0"/>
+              <a:t>을 실행하여 풀었습니다</a:t>
+            </a:r>
+            <a:r>
+              <a:rPr lang="en-US" altLang="ko-KR" dirty="0"/>
+              <a:t>. </a:t>
+            </a:r>
+            <a:r>
+              <a:rPr lang="ko-KR" altLang="en-US" dirty="0"/>
+              <a:t>이렇게 풀면 세로로 </a:t>
+            </a:r>
+            <a:r>
+              <a:rPr lang="en-US" altLang="ko-KR" dirty="0" smtClean="0"/>
+              <a:t>k17_i+3</a:t>
+            </a:r>
+            <a:r>
+              <a:rPr lang="ko-KR" altLang="en-US" dirty="0"/>
+              <a:t>만큼 </a:t>
+            </a:r>
+            <a:r>
+              <a:rPr lang="ko-KR" altLang="en-US" dirty="0" smtClean="0"/>
+              <a:t>출력이 되어 </a:t>
+            </a:r>
+            <a:r>
+              <a:rPr lang="en-US" altLang="ko-KR" dirty="0"/>
+              <a:t>1</a:t>
+            </a:r>
+            <a:r>
+              <a:rPr lang="ko-KR" altLang="en-US" dirty="0"/>
+              <a:t>단 </a:t>
+            </a:r>
+            <a:r>
+              <a:rPr lang="en-US" altLang="ko-KR" dirty="0"/>
+              <a:t>4</a:t>
+            </a:r>
+            <a:r>
+              <a:rPr lang="ko-KR" altLang="en-US" dirty="0"/>
+              <a:t>단 </a:t>
+            </a:r>
+            <a:r>
+              <a:rPr lang="en-US" altLang="ko-KR" dirty="0"/>
+              <a:t>7</a:t>
+            </a:r>
+            <a:r>
+              <a:rPr lang="ko-KR" altLang="en-US" dirty="0"/>
+              <a:t>단이 먼저 </a:t>
+            </a:r>
+            <a:r>
+              <a:rPr lang="ko-KR" altLang="en-US" dirty="0" smtClean="0"/>
+              <a:t>출력이 되고 </a:t>
+            </a:r>
+            <a:r>
+              <a:rPr lang="ko-KR" altLang="en-US" dirty="0"/>
+              <a:t>다음 줄에는 </a:t>
+            </a:r>
+            <a:r>
+              <a:rPr lang="en-US" altLang="ko-KR" dirty="0" smtClean="0"/>
+              <a:t>k17_i, k17_i+1, k17_i+2 </a:t>
+            </a:r>
+            <a:r>
+              <a:rPr lang="ko-KR" altLang="en-US" dirty="0"/>
+              <a:t>를 통해 </a:t>
+            </a:r>
+            <a:r>
+              <a:rPr lang="en-US" altLang="ko-KR" dirty="0" smtClean="0"/>
+              <a:t>k17_i</a:t>
+            </a:r>
+            <a:r>
+              <a:rPr lang="ko-KR" altLang="en-US" dirty="0"/>
+              <a:t>의 다음 숫자인 </a:t>
+            </a:r>
+            <a:r>
+              <a:rPr lang="en-US" altLang="ko-KR" dirty="0"/>
+              <a:t>2</a:t>
+            </a:r>
+            <a:r>
+              <a:rPr lang="ko-KR" altLang="en-US" dirty="0"/>
+              <a:t>단 </a:t>
+            </a:r>
+            <a:r>
+              <a:rPr lang="en-US" altLang="ko-KR" dirty="0"/>
+              <a:t>5</a:t>
+            </a:r>
+            <a:r>
+              <a:rPr lang="ko-KR" altLang="en-US" dirty="0"/>
+              <a:t>단 </a:t>
+            </a:r>
+            <a:r>
+              <a:rPr lang="en-US" altLang="ko-KR" dirty="0"/>
+              <a:t>8</a:t>
+            </a:r>
+            <a:r>
+              <a:rPr lang="ko-KR" altLang="en-US" dirty="0"/>
+              <a:t>단이 출력되고 마지막으로 </a:t>
+            </a:r>
+            <a:r>
+              <a:rPr lang="en-US" altLang="ko-KR" dirty="0"/>
+              <a:t>3</a:t>
+            </a:r>
+            <a:r>
+              <a:rPr lang="ko-KR" altLang="en-US" dirty="0"/>
+              <a:t>단 </a:t>
+            </a:r>
+            <a:r>
+              <a:rPr lang="en-US" altLang="ko-KR" dirty="0"/>
+              <a:t>6</a:t>
+            </a:r>
+            <a:r>
+              <a:rPr lang="ko-KR" altLang="en-US" dirty="0"/>
+              <a:t>단 </a:t>
+            </a:r>
+            <a:r>
+              <a:rPr lang="en-US" altLang="ko-KR" dirty="0"/>
+              <a:t>9</a:t>
+            </a:r>
+            <a:r>
+              <a:rPr lang="ko-KR" altLang="en-US" dirty="0"/>
+              <a:t>단이 출력되게 됩니다</a:t>
+            </a:r>
+            <a:r>
+              <a:rPr lang="en-US" altLang="ko-KR" dirty="0"/>
+              <a:t>. </a:t>
+            </a:r>
+            <a:endParaRPr lang="ko-KR" altLang="en-US" dirty="0"/>
+          </a:p>
+        </p:txBody>
+      </p:sp>
       <p:pic>
         <p:nvPicPr>
-          <p:cNvPr id="5" name="내용 개체 틀 4">
-            <a:extLst>
-              <a:ext uri="{FF2B5EF4-FFF2-40B4-BE49-F238E27FC236}">
-                <a16:creationId xmlns:a16="http://schemas.microsoft.com/office/drawing/2014/main" xmlns="" id="{6265C07A-47F6-4E64-89FF-BF270DBC07C3}"/>
-              </a:ext>
-            </a:extLst>
-          </p:cNvPr>
+          <p:cNvPr id="4" name="내용 개체 틀 3"/>
           <p:cNvPicPr>
             <a:picLocks noGrp="1" noChangeAspect="1"/>
           </p:cNvPicPr>
@@ -4301,20 +4492,14 @@
         </p:blipFill>
         <p:spPr>
           <a:xfrm>
-            <a:off x="187569" y="1690688"/>
-            <a:ext cx="8208448" cy="1738312"/>
+            <a:off x="0" y="1896862"/>
+            <a:ext cx="8766692" cy="1453716"/>
           </a:xfrm>
         </p:spPr>
       </p:pic>
       <p:pic>
         <p:nvPicPr>
-          <p:cNvPr id="7" name="그림 6">
-            <a:extLst>
-              <a:ext uri="{FF2B5EF4-FFF2-40B4-BE49-F238E27FC236}">
-                <a16:creationId xmlns:a16="http://schemas.microsoft.com/office/drawing/2014/main" xmlns="" id="{522DE527-2467-468D-A07A-92EFFD33F12E}"/>
-              </a:ext>
-            </a:extLst>
-          </p:cNvPr>
+          <p:cNvPr id="6" name="그림 5"/>
           <p:cNvPicPr>
             <a:picLocks noChangeAspect="1"/>
           </p:cNvPicPr>
@@ -4334,220 +4519,14 @@
         </p:blipFill>
         <p:spPr>
           <a:xfrm>
-            <a:off x="8777997" y="773200"/>
-            <a:ext cx="2804403" cy="5311600"/>
+            <a:off x="8766692" y="872196"/>
+            <a:ext cx="3425308" cy="4991759"/>
           </a:xfrm>
           <a:prstGeom prst="rect">
             <a:avLst/>
           </a:prstGeom>
         </p:spPr>
       </p:pic>
-      <p:sp>
-        <p:nvSpPr>
-          <p:cNvPr id="8" name="TextBox 7">
-            <a:extLst>
-              <a:ext uri="{FF2B5EF4-FFF2-40B4-BE49-F238E27FC236}">
-                <a16:creationId xmlns:a16="http://schemas.microsoft.com/office/drawing/2014/main" xmlns="" id="{E1C3F850-E3FB-4705-8F1E-5F13FE97ECCB}"/>
-              </a:ext>
-            </a:extLst>
-          </p:cNvPr>
-          <p:cNvSpPr txBox="1"/>
-          <p:nvPr/>
-        </p:nvSpPr>
-        <p:spPr>
-          <a:xfrm>
-            <a:off x="1126836" y="3629891"/>
-            <a:ext cx="4969164" cy="2862322"/>
-          </a:xfrm>
-          <a:prstGeom prst="rect">
-            <a:avLst/>
-          </a:prstGeom>
-          <a:noFill/>
-        </p:spPr>
-        <p:txBody>
-          <a:bodyPr wrap="square" rtlCol="0">
-            <a:spAutoFit/>
-          </a:bodyPr>
-          <a:lstStyle/>
-          <a:p>
-            <a:r>
-              <a:rPr lang="ko-KR" altLang="en-US" dirty="0"/>
-              <a:t>이 문제에서 중요한 점은 구구단을 순서대로 가로로 </a:t>
-            </a:r>
-            <a:r>
-              <a:rPr lang="en-US" altLang="ko-KR" dirty="0"/>
-              <a:t>3</a:t>
-            </a:r>
-            <a:r>
-              <a:rPr lang="ko-KR" altLang="en-US" dirty="0"/>
-              <a:t>번씩 </a:t>
-            </a:r>
-            <a:r>
-              <a:rPr lang="ko-KR" altLang="en-US" dirty="0" smtClean="0"/>
-              <a:t>줄을 바꾸면서 </a:t>
-            </a:r>
-            <a:r>
-              <a:rPr lang="ko-KR" altLang="en-US" dirty="0"/>
-              <a:t>출력하는 것입니다</a:t>
-            </a:r>
-            <a:r>
-              <a:rPr lang="en-US" altLang="ko-KR" dirty="0"/>
-              <a:t>. </a:t>
-            </a:r>
-          </a:p>
-          <a:p>
-            <a:r>
-              <a:rPr lang="ko-KR" altLang="en-US" dirty="0"/>
-              <a:t>이 문제를 풀기 위하여 </a:t>
-            </a:r>
-            <a:r>
-              <a:rPr lang="en-US" altLang="ko-KR" dirty="0"/>
-              <a:t>for </a:t>
-            </a:r>
-            <a:r>
-              <a:rPr lang="ko-KR" altLang="en-US" dirty="0"/>
-              <a:t>문 안에서 </a:t>
-            </a:r>
-            <a:r>
-              <a:rPr lang="en-US" altLang="ko-KR" dirty="0" smtClean="0"/>
-              <a:t>k</a:t>
-            </a:r>
-            <a:r>
-              <a:rPr lang="en-US" altLang="ko-KR" dirty="0" smtClean="0"/>
-              <a:t>17_</a:t>
-            </a:r>
-            <a:r>
-              <a:rPr lang="en-US" altLang="ko-KR" dirty="0" smtClean="0"/>
-              <a:t>i=k17_i+3</a:t>
-            </a:r>
-            <a:r>
-              <a:rPr lang="ko-KR" altLang="en-US" dirty="0"/>
-              <a:t>을 실행하여 풀었습니다</a:t>
-            </a:r>
-            <a:r>
-              <a:rPr lang="en-US" altLang="ko-KR" dirty="0"/>
-              <a:t>. </a:t>
-            </a:r>
-            <a:r>
-              <a:rPr lang="ko-KR" altLang="en-US" dirty="0"/>
-              <a:t>이렇게 풀면 세로로 </a:t>
-            </a:r>
-            <a:r>
-              <a:rPr lang="en-US" altLang="ko-KR" dirty="0" smtClean="0"/>
-              <a:t>k17_i+3</a:t>
-            </a:r>
-            <a:r>
-              <a:rPr lang="ko-KR" altLang="en-US" dirty="0"/>
-              <a:t>만큼 </a:t>
-            </a:r>
-            <a:r>
-              <a:rPr lang="ko-KR" altLang="en-US" dirty="0" smtClean="0"/>
-              <a:t>출력이 되어 </a:t>
-            </a:r>
-            <a:r>
-              <a:rPr lang="en-US" altLang="ko-KR" dirty="0"/>
-              <a:t>1</a:t>
-            </a:r>
-            <a:r>
-              <a:rPr lang="ko-KR" altLang="en-US" dirty="0"/>
-              <a:t>단 </a:t>
-            </a:r>
-            <a:r>
-              <a:rPr lang="en-US" altLang="ko-KR" dirty="0"/>
-              <a:t>4</a:t>
-            </a:r>
-            <a:r>
-              <a:rPr lang="ko-KR" altLang="en-US" dirty="0"/>
-              <a:t>단 </a:t>
-            </a:r>
-            <a:r>
-              <a:rPr lang="en-US" altLang="ko-KR" dirty="0"/>
-              <a:t>7</a:t>
-            </a:r>
-            <a:r>
-              <a:rPr lang="ko-KR" altLang="en-US" dirty="0"/>
-              <a:t>단이 먼저 </a:t>
-            </a:r>
-            <a:r>
-              <a:rPr lang="ko-KR" altLang="en-US" dirty="0" smtClean="0"/>
-              <a:t>출력이 되고 </a:t>
-            </a:r>
-            <a:r>
-              <a:rPr lang="ko-KR" altLang="en-US" dirty="0"/>
-              <a:t>다음 줄에는 </a:t>
-            </a:r>
-            <a:r>
-              <a:rPr lang="en-US" altLang="ko-KR" dirty="0" smtClean="0"/>
-              <a:t>k17_i, k17_i+1, k17_i+2 </a:t>
-            </a:r>
-            <a:r>
-              <a:rPr lang="ko-KR" altLang="en-US" dirty="0"/>
-              <a:t>를 통해 </a:t>
-            </a:r>
-            <a:r>
-              <a:rPr lang="en-US" altLang="ko-KR" dirty="0" smtClean="0"/>
-              <a:t>k17_i</a:t>
-            </a:r>
-            <a:r>
-              <a:rPr lang="ko-KR" altLang="en-US" dirty="0"/>
-              <a:t>의 다음 숫자인 </a:t>
-            </a:r>
-            <a:r>
-              <a:rPr lang="en-US" altLang="ko-KR" dirty="0"/>
-              <a:t>2</a:t>
-            </a:r>
-            <a:r>
-              <a:rPr lang="ko-KR" altLang="en-US" dirty="0"/>
-              <a:t>단 </a:t>
-            </a:r>
-            <a:r>
-              <a:rPr lang="en-US" altLang="ko-KR" dirty="0"/>
-              <a:t>5</a:t>
-            </a:r>
-            <a:r>
-              <a:rPr lang="ko-KR" altLang="en-US" dirty="0"/>
-              <a:t>단 </a:t>
-            </a:r>
-            <a:r>
-              <a:rPr lang="en-US" altLang="ko-KR" dirty="0"/>
-              <a:t>8</a:t>
-            </a:r>
-            <a:r>
-              <a:rPr lang="ko-KR" altLang="en-US" dirty="0"/>
-              <a:t>단이 출력되고 마지막으로 </a:t>
-            </a:r>
-            <a:r>
-              <a:rPr lang="en-US" altLang="ko-KR" dirty="0"/>
-              <a:t>3</a:t>
-            </a:r>
-            <a:r>
-              <a:rPr lang="ko-KR" altLang="en-US" dirty="0"/>
-              <a:t>단 </a:t>
-            </a:r>
-            <a:r>
-              <a:rPr lang="en-US" altLang="ko-KR" dirty="0"/>
-              <a:t>6</a:t>
-            </a:r>
-            <a:r>
-              <a:rPr lang="ko-KR" altLang="en-US" dirty="0"/>
-              <a:t>단 </a:t>
-            </a:r>
-            <a:r>
-              <a:rPr lang="en-US" altLang="ko-KR" dirty="0"/>
-              <a:t>9</a:t>
-            </a:r>
-            <a:r>
-              <a:rPr lang="ko-KR" altLang="en-US" dirty="0"/>
-              <a:t>단이 출력되게 됩니다</a:t>
-            </a:r>
-            <a:r>
-              <a:rPr lang="en-US" altLang="ko-KR" dirty="0"/>
-              <a:t>. </a:t>
-            </a:r>
-            <a:endParaRPr lang="ko-KR" altLang="en-US" dirty="0"/>
-          </a:p>
-        </p:txBody>
-      </p:sp>
     </p:spTree>
     <p:extLst>
       <p:ext uri="{BB962C8B-B14F-4D97-AF65-F5344CB8AC3E}">
@@ -4590,7 +4569,7 @@
           <p:cNvPr id="2" name="제목 1">
             <a:extLst>
               <a:ext uri="{FF2B5EF4-FFF2-40B4-BE49-F238E27FC236}">
-                <a16:creationId xmlns:a16="http://schemas.microsoft.com/office/drawing/2014/main" xmlns="" id="{9970B029-687C-48F9-B755-F6FA7EDDC7B7}"/>
+                <a16:creationId xmlns="" xmlns:a16="http://schemas.microsoft.com/office/drawing/2014/main" id="{9970B029-687C-48F9-B755-F6FA7EDDC7B7}"/>
               </a:ext>
             </a:extLst>
           </p:cNvPr>
@@ -4618,83 +4597,12 @@
           </a:p>
         </p:txBody>
       </p:sp>
-      <p:pic>
-        <p:nvPicPr>
-          <p:cNvPr id="5" name="내용 개체 틀 4">
-            <a:extLst>
-              <a:ext uri="{FF2B5EF4-FFF2-40B4-BE49-F238E27FC236}">
-                <a16:creationId xmlns:a16="http://schemas.microsoft.com/office/drawing/2014/main" xmlns="" id="{11605F8A-2ABD-48F1-A99A-E9FE30B6F662}"/>
-              </a:ext>
-            </a:extLst>
-          </p:cNvPr>
-          <p:cNvPicPr>
-            <a:picLocks noGrp="1" noChangeAspect="1"/>
-          </p:cNvPicPr>
-          <p:nvPr>
-            <p:ph idx="1"/>
-          </p:nvPr>
-        </p:nvPicPr>
-        <p:blipFill>
-          <a:blip r:embed="rId2">
-            <a:extLst>
-              <a:ext uri="{28A0092B-C50C-407E-A947-70E740481C1C}">
-                <a14:useLocalDpi xmlns:a14="http://schemas.microsoft.com/office/drawing/2010/main" val="0"/>
-              </a:ext>
-            </a:extLst>
-          </a:blip>
-          <a:stretch>
-            <a:fillRect/>
-          </a:stretch>
-        </p:blipFill>
-        <p:spPr>
-          <a:xfrm>
-            <a:off x="451338" y="1602766"/>
-            <a:ext cx="7813900" cy="2054834"/>
-          </a:xfrm>
-        </p:spPr>
-      </p:pic>
-      <p:pic>
-        <p:nvPicPr>
-          <p:cNvPr id="7" name="그림 6">
-            <a:extLst>
-              <a:ext uri="{FF2B5EF4-FFF2-40B4-BE49-F238E27FC236}">
-                <a16:creationId xmlns:a16="http://schemas.microsoft.com/office/drawing/2014/main" xmlns="" id="{ED674E73-F89F-4508-9C47-4937CDF1DF7A}"/>
-              </a:ext>
-            </a:extLst>
-          </p:cNvPr>
-          <p:cNvPicPr>
-            <a:picLocks noChangeAspect="1"/>
-          </p:cNvPicPr>
-          <p:nvPr/>
-        </p:nvPicPr>
-        <p:blipFill>
-          <a:blip r:embed="rId3">
-            <a:extLst>
-              <a:ext uri="{28A0092B-C50C-407E-A947-70E740481C1C}">
-                <a14:useLocalDpi xmlns:a14="http://schemas.microsoft.com/office/drawing/2010/main" val="0"/>
-              </a:ext>
-            </a:extLst>
-          </a:blip>
-          <a:stretch>
-            <a:fillRect/>
-          </a:stretch>
-        </p:blipFill>
-        <p:spPr>
-          <a:xfrm>
-            <a:off x="8860052" y="986558"/>
-            <a:ext cx="2880610" cy="5342083"/>
-          </a:xfrm>
-          <a:prstGeom prst="rect">
-            <a:avLst/>
-          </a:prstGeom>
-        </p:spPr>
-      </p:pic>
       <p:sp>
         <p:nvSpPr>
           <p:cNvPr id="8" name="TextBox 7">
             <a:extLst>
               <a:ext uri="{FF2B5EF4-FFF2-40B4-BE49-F238E27FC236}">
-                <a16:creationId xmlns:a16="http://schemas.microsoft.com/office/drawing/2014/main" xmlns="" id="{604C606C-8D8C-43F7-82B9-011C07E8146F}"/>
+                <a16:creationId xmlns="" xmlns:a16="http://schemas.microsoft.com/office/drawing/2014/main" id="{604C606C-8D8C-43F7-82B9-011C07E8146F}"/>
               </a:ext>
             </a:extLst>
           </p:cNvPr>
@@ -4731,15 +4639,7 @@
             </a:r>
             <a:r>
               <a:rPr lang="ko-KR" altLang="en-US" dirty="0" smtClean="0"/>
-              <a:t>줄</a:t>
-            </a:r>
-            <a:r>
-              <a:rPr lang="ko-KR" altLang="en-US" dirty="0" smtClean="0"/>
-              <a:t>을 </a:t>
-            </a:r>
-            <a:r>
-              <a:rPr lang="ko-KR" altLang="en-US" dirty="0" smtClean="0"/>
-              <a:t>바꾸면서 </a:t>
+              <a:t>줄을 바꾸면서 </a:t>
             </a:r>
             <a:r>
               <a:rPr lang="ko-KR" altLang="en-US" dirty="0"/>
@@ -4813,33 +4713,29 @@
             </a:r>
             <a:r>
               <a:rPr lang="en-US" altLang="ko-KR" dirty="0"/>
-              <a:t>, </a:t>
+              <a:t>, k17_i</a:t>
+            </a:r>
+            <a:r>
+              <a:rPr lang="en-US" altLang="ko-KR" dirty="0" smtClean="0"/>
+              <a:t>, k17_i+3, </a:t>
+            </a:r>
+            <a:r>
+              <a:rPr lang="en-US" altLang="ko-KR" dirty="0"/>
+              <a:t>k17_</a:t>
+            </a:r>
+            <a:r>
+              <a:rPr lang="en-US" altLang="ko-KR" dirty="0" smtClean="0"/>
+              <a:t>i+6 </a:t>
+            </a:r>
+            <a:r>
+              <a:rPr lang="ko-KR" altLang="en-US" dirty="0"/>
+              <a:t>를 통해 가로로는 </a:t>
             </a:r>
             <a:r>
               <a:rPr lang="en-US" altLang="ko-KR" dirty="0"/>
               <a:t>k17_i</a:t>
             </a:r>
             <a:r>
-              <a:rPr lang="en-US" altLang="ko-KR" dirty="0" smtClean="0"/>
-              <a:t>, k17_i+3, </a:t>
-            </a:r>
-            <a:r>
-              <a:rPr lang="en-US" altLang="ko-KR" dirty="0"/>
-              <a:t>k17_</a:t>
-            </a:r>
-            <a:r>
-              <a:rPr lang="en-US" altLang="ko-KR" dirty="0" smtClean="0"/>
-              <a:t>i+6 </a:t>
-            </a:r>
-            <a:r>
-              <a:rPr lang="ko-KR" altLang="en-US" dirty="0"/>
-              <a:t>를 통해 가로로는 </a:t>
-            </a:r>
-            <a:r>
-              <a:rPr lang="en-US" altLang="ko-KR" dirty="0"/>
-              <a:t>k17_i</a:t>
-            </a:r>
-            <a:r>
               <a:rPr lang="ko-KR" altLang="en-US" dirty="0"/>
               <a:t>보다 </a:t>
             </a:r>
@@ -4903,6 +4799,65 @@
           </a:p>
         </p:txBody>
       </p:sp>
+      <p:pic>
+        <p:nvPicPr>
+          <p:cNvPr id="3" name="그림 2"/>
+          <p:cNvPicPr>
+            <a:picLocks noChangeAspect="1"/>
+          </p:cNvPicPr>
+          <p:nvPr/>
+        </p:nvPicPr>
+        <p:blipFill>
+          <a:blip r:embed="rId2">
+            <a:extLst>
+              <a:ext uri="{28A0092B-C50C-407E-A947-70E740481C1C}">
+                <a14:useLocalDpi xmlns:a14="http://schemas.microsoft.com/office/drawing/2010/main" val="0"/>
+              </a:ext>
+            </a:extLst>
+          </a:blip>
+          <a:stretch>
+            <a:fillRect/>
+          </a:stretch>
+        </p:blipFill>
+        <p:spPr>
+          <a:xfrm>
+            <a:off x="8265238" y="365125"/>
+            <a:ext cx="3926762" cy="5958704"/>
+          </a:xfrm>
+          <a:prstGeom prst="rect">
+            <a:avLst/>
+          </a:prstGeom>
+        </p:spPr>
+      </p:pic>
+      <p:pic>
+        <p:nvPicPr>
+          <p:cNvPr id="6" name="내용 개체 틀 5"/>
+          <p:cNvPicPr>
+            <a:picLocks noGrp="1" noChangeAspect="1"/>
+          </p:cNvPicPr>
+          <p:nvPr>
+            <p:ph idx="1"/>
+          </p:nvPr>
+        </p:nvPicPr>
+        <p:blipFill>
+          <a:blip r:embed="rId3">
+            <a:extLst>
+              <a:ext uri="{28A0092B-C50C-407E-A947-70E740481C1C}">
+                <a14:useLocalDpi xmlns:a14="http://schemas.microsoft.com/office/drawing/2010/main" val="0"/>
+              </a:ext>
+            </a:extLst>
+          </a:blip>
+          <a:stretch>
+            <a:fillRect/>
+          </a:stretch>
+        </p:blipFill>
+        <p:spPr>
+          <a:xfrm>
+            <a:off x="0" y="1561630"/>
+            <a:ext cx="8265238" cy="1712164"/>
+          </a:xfrm>
+        </p:spPr>
+      </p:pic>
     </p:spTree>
     <p:extLst>
       <p:ext uri="{BB962C8B-B14F-4D97-AF65-F5344CB8AC3E}">
@@ -4945,7 +4900,7 @@
           <p:cNvPr id="2" name="제목 1">
             <a:extLst>
               <a:ext uri="{FF2B5EF4-FFF2-40B4-BE49-F238E27FC236}">
-                <a16:creationId xmlns:a16="http://schemas.microsoft.com/office/drawing/2014/main" xmlns="" id="{9970B029-687C-48F9-B755-F6FA7EDDC7B7}"/>
+                <a16:creationId xmlns="" xmlns:a16="http://schemas.microsoft.com/office/drawing/2014/main" id="{9970B029-687C-48F9-B755-F6FA7EDDC7B7}"/>
               </a:ext>
             </a:extLst>
           </p:cNvPr>
@@ -4973,7 +4928,7 @@
           <p:cNvPr id="5" name="내용 개체 틀 4">
             <a:extLst>
               <a:ext uri="{FF2B5EF4-FFF2-40B4-BE49-F238E27FC236}">
-                <a16:creationId xmlns:a16="http://schemas.microsoft.com/office/drawing/2014/main" xmlns="" id="{C597179F-3441-4E73-857E-C2ABE4816DF2}"/>
+                <a16:creationId xmlns="" xmlns:a16="http://schemas.microsoft.com/office/drawing/2014/main" id="{C597179F-3441-4E73-857E-C2ABE4816DF2}"/>
               </a:ext>
             </a:extLst>
           </p:cNvPr>
@@ -5008,7 +4963,7 @@
           <p:cNvPr id="7" name="그림 6">
             <a:extLst>
               <a:ext uri="{FF2B5EF4-FFF2-40B4-BE49-F238E27FC236}">
-                <a16:creationId xmlns:a16="http://schemas.microsoft.com/office/drawing/2014/main" xmlns="" id="{C80CDC8C-2E59-4A76-9DD4-6CD6CB2F36D1}"/>
+                <a16:creationId xmlns="" xmlns:a16="http://schemas.microsoft.com/office/drawing/2014/main" id="{C80CDC8C-2E59-4A76-9DD4-6CD6CB2F36D1}"/>
               </a:ext>
             </a:extLst>
           </p:cNvPr>
@@ -5044,7 +4999,7 @@
           <p:cNvPr id="8" name="TextBox 7">
             <a:extLst>
               <a:ext uri="{FF2B5EF4-FFF2-40B4-BE49-F238E27FC236}">
-                <a16:creationId xmlns:a16="http://schemas.microsoft.com/office/drawing/2014/main" xmlns="" id="{AE5BE840-7FF1-4E5B-B7D1-4A924A74FAD4}"/>
+                <a16:creationId xmlns="" xmlns:a16="http://schemas.microsoft.com/office/drawing/2014/main" id="{AE5BE840-7FF1-4E5B-B7D1-4A924A74FAD4}"/>
               </a:ext>
             </a:extLst>
           </p:cNvPr>
@@ -5081,15 +5036,7 @@
             </a:r>
             <a:r>
               <a:rPr lang="ko-KR" altLang="en-US" dirty="0" smtClean="0"/>
-              <a:t>바꾸는 </a:t>
-            </a:r>
-            <a:r>
-              <a:rPr lang="ko-KR" altLang="en-US" dirty="0" smtClean="0"/>
-              <a:t>것이 가장 </a:t>
-            </a:r>
-            <a:r>
-              <a:rPr lang="ko-KR" altLang="en-US" dirty="0" smtClean="0"/>
-              <a:t> </a:t>
+              <a:t>바꾸는 것이 가장  </a:t>
             </a:r>
             <a:r>
               <a:rPr lang="ko-KR" altLang="en-US" dirty="0"/>
@@ -5133,15 +5080,7 @@
             </a:r>
             <a:r>
               <a:rPr lang="ko-KR" altLang="en-US" dirty="0" smtClean="0"/>
-              <a:t>그럴 때</a:t>
-            </a:r>
-            <a:r>
-              <a:rPr lang="ko-KR" altLang="en-US" dirty="0" smtClean="0"/>
-              <a:t>에는</a:t>
-            </a:r>
-            <a:r>
-              <a:rPr lang="ko-KR" altLang="en-US" dirty="0" smtClean="0"/>
-              <a:t> </a:t>
+              <a:t>그럴 때에는 </a:t>
             </a:r>
             <a:r>
               <a:rPr lang="en-US" altLang="ko-KR" dirty="0"/>
@@ -5167,7 +5106,7 @@
           <p:cNvPr id="10" name="직선 화살표 연결선 9">
             <a:extLst>
               <a:ext uri="{FF2B5EF4-FFF2-40B4-BE49-F238E27FC236}">
-                <a16:creationId xmlns:a16="http://schemas.microsoft.com/office/drawing/2014/main" xmlns="" id="{96484FD6-D56D-47FA-8730-A3542E9004AD}"/>
+                <a16:creationId xmlns="" xmlns:a16="http://schemas.microsoft.com/office/drawing/2014/main" id="{96484FD6-D56D-47FA-8730-A3542E9004AD}"/>
               </a:ext>
             </a:extLst>
           </p:cNvPr>
@@ -5246,7 +5185,7 @@
           <p:cNvPr id="2" name="제목 1">
             <a:extLst>
               <a:ext uri="{FF2B5EF4-FFF2-40B4-BE49-F238E27FC236}">
-                <a16:creationId xmlns:a16="http://schemas.microsoft.com/office/drawing/2014/main" xmlns="" id="{9970B029-687C-48F9-B755-F6FA7EDDC7B7}"/>
+                <a16:creationId xmlns="" xmlns:a16="http://schemas.microsoft.com/office/drawing/2014/main" id="{9970B029-687C-48F9-B755-F6FA7EDDC7B7}"/>
               </a:ext>
             </a:extLst>
           </p:cNvPr>
@@ -5279,7 +5218,7 @@
           <p:cNvPr id="6" name="TextBox 5">
             <a:extLst>
               <a:ext uri="{FF2B5EF4-FFF2-40B4-BE49-F238E27FC236}">
-                <a16:creationId xmlns:a16="http://schemas.microsoft.com/office/drawing/2014/main" xmlns="" id="{8DB8BE06-D9D4-498D-9595-492429B05E03}"/>
+                <a16:creationId xmlns="" xmlns:a16="http://schemas.microsoft.com/office/drawing/2014/main" id="{8DB8BE06-D9D4-498D-9595-492429B05E03}"/>
               </a:ext>
             </a:extLst>
           </p:cNvPr>
@@ -5324,15 +5263,7 @@
             </a:r>
             <a:r>
               <a:rPr lang="ko-KR" altLang="en-US" dirty="0" smtClean="0"/>
-              <a:t>출력</a:t>
-            </a:r>
-            <a:r>
-              <a:rPr lang="ko-KR" altLang="en-US" dirty="0" smtClean="0"/>
-              <a:t>만 </a:t>
-            </a:r>
-            <a:r>
-              <a:rPr lang="ko-KR" altLang="en-US" dirty="0" smtClean="0"/>
-              <a:t>하면 </a:t>
+              <a:t>출력만 하면 </a:t>
             </a:r>
             <a:r>
               <a:rPr lang="ko-KR" altLang="en-US" dirty="0"/>
@@ -5470,7 +5401,7 @@
           <p:cNvPr id="7" name="직선 화살표 연결선 6">
             <a:extLst>
               <a:ext uri="{FF2B5EF4-FFF2-40B4-BE49-F238E27FC236}">
-                <a16:creationId xmlns:a16="http://schemas.microsoft.com/office/drawing/2014/main" xmlns="" id="{96484FD6-D56D-47FA-8730-A3542E9004AD}"/>
+                <a16:creationId xmlns="" xmlns:a16="http://schemas.microsoft.com/office/drawing/2014/main" id="{96484FD6-D56D-47FA-8730-A3542E9004AD}"/>
               </a:ext>
             </a:extLst>
           </p:cNvPr>
@@ -5549,7 +5480,7 @@
           <p:cNvPr id="2" name="제목 1">
             <a:extLst>
               <a:ext uri="{FF2B5EF4-FFF2-40B4-BE49-F238E27FC236}">
-                <a16:creationId xmlns:a16="http://schemas.microsoft.com/office/drawing/2014/main" xmlns="" id="{9970B029-687C-48F9-B755-F6FA7EDDC7B7}"/>
+                <a16:creationId xmlns="" xmlns:a16="http://schemas.microsoft.com/office/drawing/2014/main" id="{9970B029-687C-48F9-B755-F6FA7EDDC7B7}"/>
               </a:ext>
             </a:extLst>
           </p:cNvPr>
@@ -5678,7 +5609,7 @@
           <p:cNvPr id="2" name="제목 1">
             <a:extLst>
               <a:ext uri="{FF2B5EF4-FFF2-40B4-BE49-F238E27FC236}">
-                <a16:creationId xmlns:a16="http://schemas.microsoft.com/office/drawing/2014/main" xmlns="" id="{9970B029-687C-48F9-B755-F6FA7EDDC7B7}"/>
+                <a16:creationId xmlns="" xmlns:a16="http://schemas.microsoft.com/office/drawing/2014/main" id="{9970B029-687C-48F9-B755-F6FA7EDDC7B7}"/>
               </a:ext>
             </a:extLst>
           </p:cNvPr>
@@ -5711,7 +5642,7 @@
           <p:cNvPr id="9" name="TextBox 8">
             <a:extLst>
               <a:ext uri="{FF2B5EF4-FFF2-40B4-BE49-F238E27FC236}">
-                <a16:creationId xmlns:a16="http://schemas.microsoft.com/office/drawing/2014/main" xmlns="" id="{C312CFB5-074B-42F1-AD50-3886550302FF}"/>
+                <a16:creationId xmlns="" xmlns:a16="http://schemas.microsoft.com/office/drawing/2014/main" id="{C312CFB5-074B-42F1-AD50-3886550302FF}"/>
               </a:ext>
             </a:extLst>
           </p:cNvPr>
@@ -5788,7 +5719,6 @@
               <a:rPr lang="en-US" altLang="ko-KR" dirty="0" smtClean="0"/>
               <a:t>. </a:t>
             </a:r>
-            <a:endParaRPr lang="en-US" altLang="ko-KR" dirty="0" smtClean="0"/>
           </a:p>
           <a:p>
             <a:r>
@@ -5950,7 +5880,7 @@
           <p:cNvPr id="10" name="직선 화살표 연결선 9">
             <a:extLst>
               <a:ext uri="{FF2B5EF4-FFF2-40B4-BE49-F238E27FC236}">
-                <a16:creationId xmlns:a16="http://schemas.microsoft.com/office/drawing/2014/main" xmlns="" id="{96484FD6-D56D-47FA-8730-A3542E9004AD}"/>
+                <a16:creationId xmlns="" xmlns:a16="http://schemas.microsoft.com/office/drawing/2014/main" id="{96484FD6-D56D-47FA-8730-A3542E9004AD}"/>
               </a:ext>
             </a:extLst>
           </p:cNvPr>
@@ -5994,7 +5924,7 @@
           <p:cNvPr id="14" name="직선 화살표 연결선 13">
             <a:extLst>
               <a:ext uri="{FF2B5EF4-FFF2-40B4-BE49-F238E27FC236}">
-                <a16:creationId xmlns:a16="http://schemas.microsoft.com/office/drawing/2014/main" xmlns="" id="{96484FD6-D56D-47FA-8730-A3542E9004AD}"/>
+                <a16:creationId xmlns="" xmlns:a16="http://schemas.microsoft.com/office/drawing/2014/main" id="{96484FD6-D56D-47FA-8730-A3542E9004AD}"/>
               </a:ext>
             </a:extLst>
           </p:cNvPr>
@@ -6075,7 +6005,7 @@
           <p:cNvPr id="2" name="제목 1">
             <a:extLst>
               <a:ext uri="{FF2B5EF4-FFF2-40B4-BE49-F238E27FC236}">
-                <a16:creationId xmlns:a16="http://schemas.microsoft.com/office/drawing/2014/main" xmlns="" id="{9970B029-687C-48F9-B755-F6FA7EDDC7B7}"/>
+                <a16:creationId xmlns="" xmlns:a16="http://schemas.microsoft.com/office/drawing/2014/main" id="{9970B029-687C-48F9-B755-F6FA7EDDC7B7}"/>
               </a:ext>
             </a:extLst>
           </p:cNvPr>
@@ -6108,7 +6038,7 @@
           <p:cNvPr id="9" name="TextBox 8">
             <a:extLst>
               <a:ext uri="{FF2B5EF4-FFF2-40B4-BE49-F238E27FC236}">
-                <a16:creationId xmlns:a16="http://schemas.microsoft.com/office/drawing/2014/main" xmlns="" id="{C312CFB5-074B-42F1-AD50-3886550302FF}"/>
+                <a16:creationId xmlns="" xmlns:a16="http://schemas.microsoft.com/office/drawing/2014/main" id="{C312CFB5-074B-42F1-AD50-3886550302FF}"/>
               </a:ext>
             </a:extLst>
           </p:cNvPr>
@@ -6209,7 +6139,7 @@
           <p:cNvPr id="7" name="직선 화살표 연결선 6">
             <a:extLst>
               <a:ext uri="{FF2B5EF4-FFF2-40B4-BE49-F238E27FC236}">
-                <a16:creationId xmlns:a16="http://schemas.microsoft.com/office/drawing/2014/main" xmlns="" id="{96484FD6-D56D-47FA-8730-A3542E9004AD}"/>
+                <a16:creationId xmlns="" xmlns:a16="http://schemas.microsoft.com/office/drawing/2014/main" id="{96484FD6-D56D-47FA-8730-A3542E9004AD}"/>
               </a:ext>
             </a:extLst>
           </p:cNvPr>
@@ -6288,7 +6218,7 @@
           <p:cNvPr id="2" name="제목 1">
             <a:extLst>
               <a:ext uri="{FF2B5EF4-FFF2-40B4-BE49-F238E27FC236}">
-                <a16:creationId xmlns:a16="http://schemas.microsoft.com/office/drawing/2014/main" xmlns="" id="{9970B029-687C-48F9-B755-F6FA7EDDC7B7}"/>
+                <a16:creationId xmlns="" xmlns:a16="http://schemas.microsoft.com/office/drawing/2014/main" id="{9970B029-687C-48F9-B755-F6FA7EDDC7B7}"/>
               </a:ext>
             </a:extLst>
           </p:cNvPr>

--- a/ProfHong5/profhong receipt 2021-04-23.pptx
+++ b/ProfHong5/profhong receipt 2021-04-23.pptx
@@ -145,7 +145,7 @@
           <p:cNvPr id="2" name="제목 1">
             <a:extLst>
               <a:ext uri="{FF2B5EF4-FFF2-40B4-BE49-F238E27FC236}">
-                <a16:creationId xmlns="" xmlns:a16="http://schemas.microsoft.com/office/drawing/2014/main" id="{55665B21-78E0-4AE3-B11F-339D3AE39CBF}"/>
+                <a16:creationId xmlns:a16="http://schemas.microsoft.com/office/drawing/2014/main" xmlns="" id="{55665B21-78E0-4AE3-B11F-339D3AE39CBF}"/>
               </a:ext>
             </a:extLst>
           </p:cNvPr>
@@ -182,7 +182,7 @@
           <p:cNvPr id="3" name="부제목 2">
             <a:extLst>
               <a:ext uri="{FF2B5EF4-FFF2-40B4-BE49-F238E27FC236}">
-                <a16:creationId xmlns="" xmlns:a16="http://schemas.microsoft.com/office/drawing/2014/main" id="{D4E85EFB-C684-4459-BC2D-E5B42D7660D0}"/>
+                <a16:creationId xmlns:a16="http://schemas.microsoft.com/office/drawing/2014/main" xmlns="" id="{D4E85EFB-C684-4459-BC2D-E5B42D7660D0}"/>
               </a:ext>
             </a:extLst>
           </p:cNvPr>
@@ -252,7 +252,7 @@
           <p:cNvPr id="4" name="날짜 개체 틀 3">
             <a:extLst>
               <a:ext uri="{FF2B5EF4-FFF2-40B4-BE49-F238E27FC236}">
-                <a16:creationId xmlns="" xmlns:a16="http://schemas.microsoft.com/office/drawing/2014/main" id="{F9426C46-4542-4290-A731-387F2545BF48}"/>
+                <a16:creationId xmlns:a16="http://schemas.microsoft.com/office/drawing/2014/main" xmlns="" id="{F9426C46-4542-4290-A731-387F2545BF48}"/>
               </a:ext>
             </a:extLst>
           </p:cNvPr>
@@ -281,7 +281,7 @@
           <p:cNvPr id="5" name="바닥글 개체 틀 4">
             <a:extLst>
               <a:ext uri="{FF2B5EF4-FFF2-40B4-BE49-F238E27FC236}">
-                <a16:creationId xmlns="" xmlns:a16="http://schemas.microsoft.com/office/drawing/2014/main" id="{0D343EC4-9EF9-44AE-A3DD-CB0599190D27}"/>
+                <a16:creationId xmlns:a16="http://schemas.microsoft.com/office/drawing/2014/main" xmlns="" id="{0D343EC4-9EF9-44AE-A3DD-CB0599190D27}"/>
               </a:ext>
             </a:extLst>
           </p:cNvPr>
@@ -306,7 +306,7 @@
           <p:cNvPr id="6" name="슬라이드 번호 개체 틀 5">
             <a:extLst>
               <a:ext uri="{FF2B5EF4-FFF2-40B4-BE49-F238E27FC236}">
-                <a16:creationId xmlns="" xmlns:a16="http://schemas.microsoft.com/office/drawing/2014/main" id="{D7E19017-C507-4EF1-B8F6-DC2EC3E84543}"/>
+                <a16:creationId xmlns:a16="http://schemas.microsoft.com/office/drawing/2014/main" xmlns="" id="{D7E19017-C507-4EF1-B8F6-DC2EC3E84543}"/>
               </a:ext>
             </a:extLst>
           </p:cNvPr>
@@ -365,7 +365,7 @@
           <p:cNvPr id="2" name="제목 1">
             <a:extLst>
               <a:ext uri="{FF2B5EF4-FFF2-40B4-BE49-F238E27FC236}">
-                <a16:creationId xmlns="" xmlns:a16="http://schemas.microsoft.com/office/drawing/2014/main" id="{804F3459-B557-4953-8616-C6465E4AA923}"/>
+                <a16:creationId xmlns:a16="http://schemas.microsoft.com/office/drawing/2014/main" xmlns="" id="{804F3459-B557-4953-8616-C6465E4AA923}"/>
               </a:ext>
             </a:extLst>
           </p:cNvPr>
@@ -393,7 +393,7 @@
           <p:cNvPr id="3" name="세로 텍스트 개체 틀 2">
             <a:extLst>
               <a:ext uri="{FF2B5EF4-FFF2-40B4-BE49-F238E27FC236}">
-                <a16:creationId xmlns="" xmlns:a16="http://schemas.microsoft.com/office/drawing/2014/main" id="{1EF0E14C-D3CC-46F9-A443-D875CC0C9026}"/>
+                <a16:creationId xmlns:a16="http://schemas.microsoft.com/office/drawing/2014/main" xmlns="" id="{1EF0E14C-D3CC-46F9-A443-D875CC0C9026}"/>
               </a:ext>
             </a:extLst>
           </p:cNvPr>
@@ -450,7 +450,7 @@
           <p:cNvPr id="4" name="날짜 개체 틀 3">
             <a:extLst>
               <a:ext uri="{FF2B5EF4-FFF2-40B4-BE49-F238E27FC236}">
-                <a16:creationId xmlns="" xmlns:a16="http://schemas.microsoft.com/office/drawing/2014/main" id="{0E80C667-11F1-4275-8D1B-9A756EBC4C31}"/>
+                <a16:creationId xmlns:a16="http://schemas.microsoft.com/office/drawing/2014/main" xmlns="" id="{0E80C667-11F1-4275-8D1B-9A756EBC4C31}"/>
               </a:ext>
             </a:extLst>
           </p:cNvPr>
@@ -479,7 +479,7 @@
           <p:cNvPr id="5" name="바닥글 개체 틀 4">
             <a:extLst>
               <a:ext uri="{FF2B5EF4-FFF2-40B4-BE49-F238E27FC236}">
-                <a16:creationId xmlns="" xmlns:a16="http://schemas.microsoft.com/office/drawing/2014/main" id="{79CE94A9-79AF-4CF9-8AA1-C4305FB74550}"/>
+                <a16:creationId xmlns:a16="http://schemas.microsoft.com/office/drawing/2014/main" xmlns="" id="{79CE94A9-79AF-4CF9-8AA1-C4305FB74550}"/>
               </a:ext>
             </a:extLst>
           </p:cNvPr>
@@ -504,7 +504,7 @@
           <p:cNvPr id="6" name="슬라이드 번호 개체 틀 5">
             <a:extLst>
               <a:ext uri="{FF2B5EF4-FFF2-40B4-BE49-F238E27FC236}">
-                <a16:creationId xmlns="" xmlns:a16="http://schemas.microsoft.com/office/drawing/2014/main" id="{37EB01A8-1F6F-4E9F-974A-18A0292A0F02}"/>
+                <a16:creationId xmlns:a16="http://schemas.microsoft.com/office/drawing/2014/main" xmlns="" id="{37EB01A8-1F6F-4E9F-974A-18A0292A0F02}"/>
               </a:ext>
             </a:extLst>
           </p:cNvPr>
@@ -563,7 +563,7 @@
           <p:cNvPr id="2" name="세로 제목 1">
             <a:extLst>
               <a:ext uri="{FF2B5EF4-FFF2-40B4-BE49-F238E27FC236}">
-                <a16:creationId xmlns="" xmlns:a16="http://schemas.microsoft.com/office/drawing/2014/main" id="{26FE0E50-3FAD-4CB1-919B-64553C6DF6F9}"/>
+                <a16:creationId xmlns:a16="http://schemas.microsoft.com/office/drawing/2014/main" xmlns="" id="{26FE0E50-3FAD-4CB1-919B-64553C6DF6F9}"/>
               </a:ext>
             </a:extLst>
           </p:cNvPr>
@@ -596,7 +596,7 @@
           <p:cNvPr id="3" name="세로 텍스트 개체 틀 2">
             <a:extLst>
               <a:ext uri="{FF2B5EF4-FFF2-40B4-BE49-F238E27FC236}">
-                <a16:creationId xmlns="" xmlns:a16="http://schemas.microsoft.com/office/drawing/2014/main" id="{A485EAD6-A022-48FD-89C5-98F62619811C}"/>
+                <a16:creationId xmlns:a16="http://schemas.microsoft.com/office/drawing/2014/main" xmlns="" id="{A485EAD6-A022-48FD-89C5-98F62619811C}"/>
               </a:ext>
             </a:extLst>
           </p:cNvPr>
@@ -658,7 +658,7 @@
           <p:cNvPr id="4" name="날짜 개체 틀 3">
             <a:extLst>
               <a:ext uri="{FF2B5EF4-FFF2-40B4-BE49-F238E27FC236}">
-                <a16:creationId xmlns="" xmlns:a16="http://schemas.microsoft.com/office/drawing/2014/main" id="{616A29BF-03F7-4F12-81FB-6FE1AC276C1B}"/>
+                <a16:creationId xmlns:a16="http://schemas.microsoft.com/office/drawing/2014/main" xmlns="" id="{616A29BF-03F7-4F12-81FB-6FE1AC276C1B}"/>
               </a:ext>
             </a:extLst>
           </p:cNvPr>
@@ -687,7 +687,7 @@
           <p:cNvPr id="5" name="바닥글 개체 틀 4">
             <a:extLst>
               <a:ext uri="{FF2B5EF4-FFF2-40B4-BE49-F238E27FC236}">
-                <a16:creationId xmlns="" xmlns:a16="http://schemas.microsoft.com/office/drawing/2014/main" id="{C59CF343-A0F1-483F-A724-F8A2A2059537}"/>
+                <a16:creationId xmlns:a16="http://schemas.microsoft.com/office/drawing/2014/main" xmlns="" id="{C59CF343-A0F1-483F-A724-F8A2A2059537}"/>
               </a:ext>
             </a:extLst>
           </p:cNvPr>
@@ -712,7 +712,7 @@
           <p:cNvPr id="6" name="슬라이드 번호 개체 틀 5">
             <a:extLst>
               <a:ext uri="{FF2B5EF4-FFF2-40B4-BE49-F238E27FC236}">
-                <a16:creationId xmlns="" xmlns:a16="http://schemas.microsoft.com/office/drawing/2014/main" id="{5BFC54B9-BE85-49EC-A4EC-421985D38D0C}"/>
+                <a16:creationId xmlns:a16="http://schemas.microsoft.com/office/drawing/2014/main" xmlns="" id="{5BFC54B9-BE85-49EC-A4EC-421985D38D0C}"/>
               </a:ext>
             </a:extLst>
           </p:cNvPr>
@@ -771,7 +771,7 @@
           <p:cNvPr id="2" name="제목 1">
             <a:extLst>
               <a:ext uri="{FF2B5EF4-FFF2-40B4-BE49-F238E27FC236}">
-                <a16:creationId xmlns="" xmlns:a16="http://schemas.microsoft.com/office/drawing/2014/main" id="{C7B323B7-72D8-4341-9E3C-EEFD9C9740CA}"/>
+                <a16:creationId xmlns:a16="http://schemas.microsoft.com/office/drawing/2014/main" xmlns="" id="{C7B323B7-72D8-4341-9E3C-EEFD9C9740CA}"/>
               </a:ext>
             </a:extLst>
           </p:cNvPr>
@@ -799,7 +799,7 @@
           <p:cNvPr id="3" name="내용 개체 틀 2">
             <a:extLst>
               <a:ext uri="{FF2B5EF4-FFF2-40B4-BE49-F238E27FC236}">
-                <a16:creationId xmlns="" xmlns:a16="http://schemas.microsoft.com/office/drawing/2014/main" id="{5FD849C7-E040-4D9B-B90F-075E18995E18}"/>
+                <a16:creationId xmlns:a16="http://schemas.microsoft.com/office/drawing/2014/main" xmlns="" id="{5FD849C7-E040-4D9B-B90F-075E18995E18}"/>
               </a:ext>
             </a:extLst>
           </p:cNvPr>
@@ -856,7 +856,7 @@
           <p:cNvPr id="4" name="날짜 개체 틀 3">
             <a:extLst>
               <a:ext uri="{FF2B5EF4-FFF2-40B4-BE49-F238E27FC236}">
-                <a16:creationId xmlns="" xmlns:a16="http://schemas.microsoft.com/office/drawing/2014/main" id="{F4153352-C629-4D1A-AC52-9B420E2038FA}"/>
+                <a16:creationId xmlns:a16="http://schemas.microsoft.com/office/drawing/2014/main" xmlns="" id="{F4153352-C629-4D1A-AC52-9B420E2038FA}"/>
               </a:ext>
             </a:extLst>
           </p:cNvPr>
@@ -885,7 +885,7 @@
           <p:cNvPr id="5" name="바닥글 개체 틀 4">
             <a:extLst>
               <a:ext uri="{FF2B5EF4-FFF2-40B4-BE49-F238E27FC236}">
-                <a16:creationId xmlns="" xmlns:a16="http://schemas.microsoft.com/office/drawing/2014/main" id="{82B53D0B-07E6-45DD-A8BF-E2A2587ECB5A}"/>
+                <a16:creationId xmlns:a16="http://schemas.microsoft.com/office/drawing/2014/main" xmlns="" id="{82B53D0B-07E6-45DD-A8BF-E2A2587ECB5A}"/>
               </a:ext>
             </a:extLst>
           </p:cNvPr>
@@ -910,7 +910,7 @@
           <p:cNvPr id="6" name="슬라이드 번호 개체 틀 5">
             <a:extLst>
               <a:ext uri="{FF2B5EF4-FFF2-40B4-BE49-F238E27FC236}">
-                <a16:creationId xmlns="" xmlns:a16="http://schemas.microsoft.com/office/drawing/2014/main" id="{AA01822E-9C49-4677-B1D3-B1F187DBEC26}"/>
+                <a16:creationId xmlns:a16="http://schemas.microsoft.com/office/drawing/2014/main" xmlns="" id="{AA01822E-9C49-4677-B1D3-B1F187DBEC26}"/>
               </a:ext>
             </a:extLst>
           </p:cNvPr>
@@ -969,7 +969,7 @@
           <p:cNvPr id="2" name="제목 1">
             <a:extLst>
               <a:ext uri="{FF2B5EF4-FFF2-40B4-BE49-F238E27FC236}">
-                <a16:creationId xmlns="" xmlns:a16="http://schemas.microsoft.com/office/drawing/2014/main" id="{126D31A8-1FF5-4D17-9A3D-BC55A4BA73D4}"/>
+                <a16:creationId xmlns:a16="http://schemas.microsoft.com/office/drawing/2014/main" xmlns="" id="{126D31A8-1FF5-4D17-9A3D-BC55A4BA73D4}"/>
               </a:ext>
             </a:extLst>
           </p:cNvPr>
@@ -1006,7 +1006,7 @@
           <p:cNvPr id="3" name="텍스트 개체 틀 2">
             <a:extLst>
               <a:ext uri="{FF2B5EF4-FFF2-40B4-BE49-F238E27FC236}">
-                <a16:creationId xmlns="" xmlns:a16="http://schemas.microsoft.com/office/drawing/2014/main" id="{1E35249C-DAFF-4DD6-AA90-B6E72412DFB3}"/>
+                <a16:creationId xmlns:a16="http://schemas.microsoft.com/office/drawing/2014/main" xmlns="" id="{1E35249C-DAFF-4DD6-AA90-B6E72412DFB3}"/>
               </a:ext>
             </a:extLst>
           </p:cNvPr>
@@ -1131,7 +1131,7 @@
           <p:cNvPr id="4" name="날짜 개체 틀 3">
             <a:extLst>
               <a:ext uri="{FF2B5EF4-FFF2-40B4-BE49-F238E27FC236}">
-                <a16:creationId xmlns="" xmlns:a16="http://schemas.microsoft.com/office/drawing/2014/main" id="{227AF27B-3783-4EF2-AC37-94B59E08F930}"/>
+                <a16:creationId xmlns:a16="http://schemas.microsoft.com/office/drawing/2014/main" xmlns="" id="{227AF27B-3783-4EF2-AC37-94B59E08F930}"/>
               </a:ext>
             </a:extLst>
           </p:cNvPr>
@@ -1160,7 +1160,7 @@
           <p:cNvPr id="5" name="바닥글 개체 틀 4">
             <a:extLst>
               <a:ext uri="{FF2B5EF4-FFF2-40B4-BE49-F238E27FC236}">
-                <a16:creationId xmlns="" xmlns:a16="http://schemas.microsoft.com/office/drawing/2014/main" id="{80153FDE-0DC6-4165-8E3E-19F17A54B7BF}"/>
+                <a16:creationId xmlns:a16="http://schemas.microsoft.com/office/drawing/2014/main" xmlns="" id="{80153FDE-0DC6-4165-8E3E-19F17A54B7BF}"/>
               </a:ext>
             </a:extLst>
           </p:cNvPr>
@@ -1185,7 +1185,7 @@
           <p:cNvPr id="6" name="슬라이드 번호 개체 틀 5">
             <a:extLst>
               <a:ext uri="{FF2B5EF4-FFF2-40B4-BE49-F238E27FC236}">
-                <a16:creationId xmlns="" xmlns:a16="http://schemas.microsoft.com/office/drawing/2014/main" id="{CD3FAEF5-4041-4AE1-AB4B-F689A15EF263}"/>
+                <a16:creationId xmlns:a16="http://schemas.microsoft.com/office/drawing/2014/main" xmlns="" id="{CD3FAEF5-4041-4AE1-AB4B-F689A15EF263}"/>
               </a:ext>
             </a:extLst>
           </p:cNvPr>
@@ -1244,7 +1244,7 @@
           <p:cNvPr id="2" name="제목 1">
             <a:extLst>
               <a:ext uri="{FF2B5EF4-FFF2-40B4-BE49-F238E27FC236}">
-                <a16:creationId xmlns="" xmlns:a16="http://schemas.microsoft.com/office/drawing/2014/main" id="{50A7847E-AEBA-46FB-839F-39221EF235AD}"/>
+                <a16:creationId xmlns:a16="http://schemas.microsoft.com/office/drawing/2014/main" xmlns="" id="{50A7847E-AEBA-46FB-839F-39221EF235AD}"/>
               </a:ext>
             </a:extLst>
           </p:cNvPr>
@@ -1272,7 +1272,7 @@
           <p:cNvPr id="3" name="내용 개체 틀 2">
             <a:extLst>
               <a:ext uri="{FF2B5EF4-FFF2-40B4-BE49-F238E27FC236}">
-                <a16:creationId xmlns="" xmlns:a16="http://schemas.microsoft.com/office/drawing/2014/main" id="{3C4582CC-FBA3-4587-AEA1-A9B927B3DEAA}"/>
+                <a16:creationId xmlns:a16="http://schemas.microsoft.com/office/drawing/2014/main" xmlns="" id="{3C4582CC-FBA3-4587-AEA1-A9B927B3DEAA}"/>
               </a:ext>
             </a:extLst>
           </p:cNvPr>
@@ -1334,7 +1334,7 @@
           <p:cNvPr id="4" name="내용 개체 틀 3">
             <a:extLst>
               <a:ext uri="{FF2B5EF4-FFF2-40B4-BE49-F238E27FC236}">
-                <a16:creationId xmlns="" xmlns:a16="http://schemas.microsoft.com/office/drawing/2014/main" id="{92FD00D9-BB06-43A1-854B-3975A7B3B2B9}"/>
+                <a16:creationId xmlns:a16="http://schemas.microsoft.com/office/drawing/2014/main" xmlns="" id="{92FD00D9-BB06-43A1-854B-3975A7B3B2B9}"/>
               </a:ext>
             </a:extLst>
           </p:cNvPr>
@@ -1396,7 +1396,7 @@
           <p:cNvPr id="5" name="날짜 개체 틀 4">
             <a:extLst>
               <a:ext uri="{FF2B5EF4-FFF2-40B4-BE49-F238E27FC236}">
-                <a16:creationId xmlns="" xmlns:a16="http://schemas.microsoft.com/office/drawing/2014/main" id="{3FB4C964-C10A-4E8E-8EAC-94AD6D8EC2BD}"/>
+                <a16:creationId xmlns:a16="http://schemas.microsoft.com/office/drawing/2014/main" xmlns="" id="{3FB4C964-C10A-4E8E-8EAC-94AD6D8EC2BD}"/>
               </a:ext>
             </a:extLst>
           </p:cNvPr>
@@ -1425,7 +1425,7 @@
           <p:cNvPr id="6" name="바닥글 개체 틀 5">
             <a:extLst>
               <a:ext uri="{FF2B5EF4-FFF2-40B4-BE49-F238E27FC236}">
-                <a16:creationId xmlns="" xmlns:a16="http://schemas.microsoft.com/office/drawing/2014/main" id="{C6C99B93-0CF3-4322-AC67-8CB67EE78CE4}"/>
+                <a16:creationId xmlns:a16="http://schemas.microsoft.com/office/drawing/2014/main" xmlns="" id="{C6C99B93-0CF3-4322-AC67-8CB67EE78CE4}"/>
               </a:ext>
             </a:extLst>
           </p:cNvPr>
@@ -1450,7 +1450,7 @@
           <p:cNvPr id="7" name="슬라이드 번호 개체 틀 6">
             <a:extLst>
               <a:ext uri="{FF2B5EF4-FFF2-40B4-BE49-F238E27FC236}">
-                <a16:creationId xmlns="" xmlns:a16="http://schemas.microsoft.com/office/drawing/2014/main" id="{E419BB60-B8D2-46B5-8F99-6C012175F515}"/>
+                <a16:creationId xmlns:a16="http://schemas.microsoft.com/office/drawing/2014/main" xmlns="" id="{E419BB60-B8D2-46B5-8F99-6C012175F515}"/>
               </a:ext>
             </a:extLst>
           </p:cNvPr>
@@ -1509,7 +1509,7 @@
           <p:cNvPr id="2" name="제목 1">
             <a:extLst>
               <a:ext uri="{FF2B5EF4-FFF2-40B4-BE49-F238E27FC236}">
-                <a16:creationId xmlns="" xmlns:a16="http://schemas.microsoft.com/office/drawing/2014/main" id="{E04D17CE-B3EA-4C65-9340-40FDB7FF1EF6}"/>
+                <a16:creationId xmlns:a16="http://schemas.microsoft.com/office/drawing/2014/main" xmlns="" id="{E04D17CE-B3EA-4C65-9340-40FDB7FF1EF6}"/>
               </a:ext>
             </a:extLst>
           </p:cNvPr>
@@ -1542,7 +1542,7 @@
           <p:cNvPr id="3" name="텍스트 개체 틀 2">
             <a:extLst>
               <a:ext uri="{FF2B5EF4-FFF2-40B4-BE49-F238E27FC236}">
-                <a16:creationId xmlns="" xmlns:a16="http://schemas.microsoft.com/office/drawing/2014/main" id="{FFFA3943-480F-4D71-A866-7563F53ED423}"/>
+                <a16:creationId xmlns:a16="http://schemas.microsoft.com/office/drawing/2014/main" xmlns="" id="{FFFA3943-480F-4D71-A866-7563F53ED423}"/>
               </a:ext>
             </a:extLst>
           </p:cNvPr>
@@ -1613,7 +1613,7 @@
           <p:cNvPr id="4" name="내용 개체 틀 3">
             <a:extLst>
               <a:ext uri="{FF2B5EF4-FFF2-40B4-BE49-F238E27FC236}">
-                <a16:creationId xmlns="" xmlns:a16="http://schemas.microsoft.com/office/drawing/2014/main" id="{54B0037B-914B-488F-90AD-1B7EB350B136}"/>
+                <a16:creationId xmlns:a16="http://schemas.microsoft.com/office/drawing/2014/main" xmlns="" id="{54B0037B-914B-488F-90AD-1B7EB350B136}"/>
               </a:ext>
             </a:extLst>
           </p:cNvPr>
@@ -1675,7 +1675,7 @@
           <p:cNvPr id="5" name="텍스트 개체 틀 4">
             <a:extLst>
               <a:ext uri="{FF2B5EF4-FFF2-40B4-BE49-F238E27FC236}">
-                <a16:creationId xmlns="" xmlns:a16="http://schemas.microsoft.com/office/drawing/2014/main" id="{1EE7D0A2-84C2-4F4E-BAF8-307E1F1CD95E}"/>
+                <a16:creationId xmlns:a16="http://schemas.microsoft.com/office/drawing/2014/main" xmlns="" id="{1EE7D0A2-84C2-4F4E-BAF8-307E1F1CD95E}"/>
               </a:ext>
             </a:extLst>
           </p:cNvPr>
@@ -1746,7 +1746,7 @@
           <p:cNvPr id="6" name="내용 개체 틀 5">
             <a:extLst>
               <a:ext uri="{FF2B5EF4-FFF2-40B4-BE49-F238E27FC236}">
-                <a16:creationId xmlns="" xmlns:a16="http://schemas.microsoft.com/office/drawing/2014/main" id="{1F361350-BA8A-4A95-B86C-5A63CB7241F8}"/>
+                <a16:creationId xmlns:a16="http://schemas.microsoft.com/office/drawing/2014/main" xmlns="" id="{1F361350-BA8A-4A95-B86C-5A63CB7241F8}"/>
               </a:ext>
             </a:extLst>
           </p:cNvPr>
@@ -1808,7 +1808,7 @@
           <p:cNvPr id="7" name="날짜 개체 틀 6">
             <a:extLst>
               <a:ext uri="{FF2B5EF4-FFF2-40B4-BE49-F238E27FC236}">
-                <a16:creationId xmlns="" xmlns:a16="http://schemas.microsoft.com/office/drawing/2014/main" id="{F9DD8E80-0120-450E-8C44-4B273A5A4F98}"/>
+                <a16:creationId xmlns:a16="http://schemas.microsoft.com/office/drawing/2014/main" xmlns="" id="{F9DD8E80-0120-450E-8C44-4B273A5A4F98}"/>
               </a:ext>
             </a:extLst>
           </p:cNvPr>
@@ -1837,7 +1837,7 @@
           <p:cNvPr id="8" name="바닥글 개체 틀 7">
             <a:extLst>
               <a:ext uri="{FF2B5EF4-FFF2-40B4-BE49-F238E27FC236}">
-                <a16:creationId xmlns="" xmlns:a16="http://schemas.microsoft.com/office/drawing/2014/main" id="{3E4BD873-8741-424B-AA68-FAE0053D8D4E}"/>
+                <a16:creationId xmlns:a16="http://schemas.microsoft.com/office/drawing/2014/main" xmlns="" id="{3E4BD873-8741-424B-AA68-FAE0053D8D4E}"/>
               </a:ext>
             </a:extLst>
           </p:cNvPr>
@@ -1862,7 +1862,7 @@
           <p:cNvPr id="9" name="슬라이드 번호 개체 틀 8">
             <a:extLst>
               <a:ext uri="{FF2B5EF4-FFF2-40B4-BE49-F238E27FC236}">
-                <a16:creationId xmlns="" xmlns:a16="http://schemas.microsoft.com/office/drawing/2014/main" id="{360A972F-CD98-46BF-9C7A-6E24BB4F9833}"/>
+                <a16:creationId xmlns:a16="http://schemas.microsoft.com/office/drawing/2014/main" xmlns="" id="{360A972F-CD98-46BF-9C7A-6E24BB4F9833}"/>
               </a:ext>
             </a:extLst>
           </p:cNvPr>
@@ -1921,7 +1921,7 @@
           <p:cNvPr id="2" name="제목 1">
             <a:extLst>
               <a:ext uri="{FF2B5EF4-FFF2-40B4-BE49-F238E27FC236}">
-                <a16:creationId xmlns="" xmlns:a16="http://schemas.microsoft.com/office/drawing/2014/main" id="{162E9601-8EAB-48C8-AF16-C8C770CD60B2}"/>
+                <a16:creationId xmlns:a16="http://schemas.microsoft.com/office/drawing/2014/main" xmlns="" id="{162E9601-8EAB-48C8-AF16-C8C770CD60B2}"/>
               </a:ext>
             </a:extLst>
           </p:cNvPr>
@@ -1949,7 +1949,7 @@
           <p:cNvPr id="3" name="날짜 개체 틀 2">
             <a:extLst>
               <a:ext uri="{FF2B5EF4-FFF2-40B4-BE49-F238E27FC236}">
-                <a16:creationId xmlns="" xmlns:a16="http://schemas.microsoft.com/office/drawing/2014/main" id="{F404A557-FEDD-4A6F-B85E-5826636C7870}"/>
+                <a16:creationId xmlns:a16="http://schemas.microsoft.com/office/drawing/2014/main" xmlns="" id="{F404A557-FEDD-4A6F-B85E-5826636C7870}"/>
               </a:ext>
             </a:extLst>
           </p:cNvPr>
@@ -1978,7 +1978,7 @@
           <p:cNvPr id="4" name="바닥글 개체 틀 3">
             <a:extLst>
               <a:ext uri="{FF2B5EF4-FFF2-40B4-BE49-F238E27FC236}">
-                <a16:creationId xmlns="" xmlns:a16="http://schemas.microsoft.com/office/drawing/2014/main" id="{8F2196F1-5BA8-4438-BCA3-34D71DD5B98C}"/>
+                <a16:creationId xmlns:a16="http://schemas.microsoft.com/office/drawing/2014/main" xmlns="" id="{8F2196F1-5BA8-4438-BCA3-34D71DD5B98C}"/>
               </a:ext>
             </a:extLst>
           </p:cNvPr>
@@ -2003,7 +2003,7 @@
           <p:cNvPr id="5" name="슬라이드 번호 개체 틀 4">
             <a:extLst>
               <a:ext uri="{FF2B5EF4-FFF2-40B4-BE49-F238E27FC236}">
-                <a16:creationId xmlns="" xmlns:a16="http://schemas.microsoft.com/office/drawing/2014/main" id="{9843ACBD-2B31-42BF-984B-F5736B89672E}"/>
+                <a16:creationId xmlns:a16="http://schemas.microsoft.com/office/drawing/2014/main" xmlns="" id="{9843ACBD-2B31-42BF-984B-F5736B89672E}"/>
               </a:ext>
             </a:extLst>
           </p:cNvPr>
@@ -2062,7 +2062,7 @@
           <p:cNvPr id="2" name="날짜 개체 틀 1">
             <a:extLst>
               <a:ext uri="{FF2B5EF4-FFF2-40B4-BE49-F238E27FC236}">
-                <a16:creationId xmlns="" xmlns:a16="http://schemas.microsoft.com/office/drawing/2014/main" id="{5DDF145E-2D6D-42D2-9707-2A6FD4C979F2}"/>
+                <a16:creationId xmlns:a16="http://schemas.microsoft.com/office/drawing/2014/main" xmlns="" id="{5DDF145E-2D6D-42D2-9707-2A6FD4C979F2}"/>
               </a:ext>
             </a:extLst>
           </p:cNvPr>
@@ -2091,7 +2091,7 @@
           <p:cNvPr id="3" name="바닥글 개체 틀 2">
             <a:extLst>
               <a:ext uri="{FF2B5EF4-FFF2-40B4-BE49-F238E27FC236}">
-                <a16:creationId xmlns="" xmlns:a16="http://schemas.microsoft.com/office/drawing/2014/main" id="{F5F1CC19-D0F9-475D-A0EB-F4A92941970F}"/>
+                <a16:creationId xmlns:a16="http://schemas.microsoft.com/office/drawing/2014/main" xmlns="" id="{F5F1CC19-D0F9-475D-A0EB-F4A92941970F}"/>
               </a:ext>
             </a:extLst>
           </p:cNvPr>
@@ -2116,7 +2116,7 @@
           <p:cNvPr id="4" name="슬라이드 번호 개체 틀 3">
             <a:extLst>
               <a:ext uri="{FF2B5EF4-FFF2-40B4-BE49-F238E27FC236}">
-                <a16:creationId xmlns="" xmlns:a16="http://schemas.microsoft.com/office/drawing/2014/main" id="{5189DA28-8A04-4723-BB36-FB9E2C60E81D}"/>
+                <a16:creationId xmlns:a16="http://schemas.microsoft.com/office/drawing/2014/main" xmlns="" id="{5189DA28-8A04-4723-BB36-FB9E2C60E81D}"/>
               </a:ext>
             </a:extLst>
           </p:cNvPr>
@@ -2175,7 +2175,7 @@
           <p:cNvPr id="2" name="제목 1">
             <a:extLst>
               <a:ext uri="{FF2B5EF4-FFF2-40B4-BE49-F238E27FC236}">
-                <a16:creationId xmlns="" xmlns:a16="http://schemas.microsoft.com/office/drawing/2014/main" id="{35598353-BA4F-4FC5-B9B8-3711F99E5544}"/>
+                <a16:creationId xmlns:a16="http://schemas.microsoft.com/office/drawing/2014/main" xmlns="" id="{35598353-BA4F-4FC5-B9B8-3711F99E5544}"/>
               </a:ext>
             </a:extLst>
           </p:cNvPr>
@@ -2212,7 +2212,7 @@
           <p:cNvPr id="3" name="내용 개체 틀 2">
             <a:extLst>
               <a:ext uri="{FF2B5EF4-FFF2-40B4-BE49-F238E27FC236}">
-                <a16:creationId xmlns="" xmlns:a16="http://schemas.microsoft.com/office/drawing/2014/main" id="{8ABCBC53-579C-43AD-A775-406AE1399628}"/>
+                <a16:creationId xmlns:a16="http://schemas.microsoft.com/office/drawing/2014/main" xmlns="" id="{8ABCBC53-579C-43AD-A775-406AE1399628}"/>
               </a:ext>
             </a:extLst>
           </p:cNvPr>
@@ -2302,7 +2302,7 @@
           <p:cNvPr id="4" name="텍스트 개체 틀 3">
             <a:extLst>
               <a:ext uri="{FF2B5EF4-FFF2-40B4-BE49-F238E27FC236}">
-                <a16:creationId xmlns="" xmlns:a16="http://schemas.microsoft.com/office/drawing/2014/main" id="{A85B575B-5422-4D2C-9BF2-AADB5C0AE702}"/>
+                <a16:creationId xmlns:a16="http://schemas.microsoft.com/office/drawing/2014/main" xmlns="" id="{A85B575B-5422-4D2C-9BF2-AADB5C0AE702}"/>
               </a:ext>
             </a:extLst>
           </p:cNvPr>
@@ -2373,7 +2373,7 @@
           <p:cNvPr id="5" name="날짜 개체 틀 4">
             <a:extLst>
               <a:ext uri="{FF2B5EF4-FFF2-40B4-BE49-F238E27FC236}">
-                <a16:creationId xmlns="" xmlns:a16="http://schemas.microsoft.com/office/drawing/2014/main" id="{13BA6D18-BE9C-46C4-8E9C-2BA487D30D65}"/>
+                <a16:creationId xmlns:a16="http://schemas.microsoft.com/office/drawing/2014/main" xmlns="" id="{13BA6D18-BE9C-46C4-8E9C-2BA487D30D65}"/>
               </a:ext>
             </a:extLst>
           </p:cNvPr>
@@ -2402,7 +2402,7 @@
           <p:cNvPr id="6" name="바닥글 개체 틀 5">
             <a:extLst>
               <a:ext uri="{FF2B5EF4-FFF2-40B4-BE49-F238E27FC236}">
-                <a16:creationId xmlns="" xmlns:a16="http://schemas.microsoft.com/office/drawing/2014/main" id="{4E6543F0-5C24-4926-91E1-E75CF99220DD}"/>
+                <a16:creationId xmlns:a16="http://schemas.microsoft.com/office/drawing/2014/main" xmlns="" id="{4E6543F0-5C24-4926-91E1-E75CF99220DD}"/>
               </a:ext>
             </a:extLst>
           </p:cNvPr>
@@ -2427,7 +2427,7 @@
           <p:cNvPr id="7" name="슬라이드 번호 개체 틀 6">
             <a:extLst>
               <a:ext uri="{FF2B5EF4-FFF2-40B4-BE49-F238E27FC236}">
-                <a16:creationId xmlns="" xmlns:a16="http://schemas.microsoft.com/office/drawing/2014/main" id="{5E1A06D0-D0BA-4C87-A85F-4990157EC1DF}"/>
+                <a16:creationId xmlns:a16="http://schemas.microsoft.com/office/drawing/2014/main" xmlns="" id="{5E1A06D0-D0BA-4C87-A85F-4990157EC1DF}"/>
               </a:ext>
             </a:extLst>
           </p:cNvPr>
@@ -2486,7 +2486,7 @@
           <p:cNvPr id="2" name="제목 1">
             <a:extLst>
               <a:ext uri="{FF2B5EF4-FFF2-40B4-BE49-F238E27FC236}">
-                <a16:creationId xmlns="" xmlns:a16="http://schemas.microsoft.com/office/drawing/2014/main" id="{3638EDD7-C474-4F60-A879-2D9F25C5C837}"/>
+                <a16:creationId xmlns:a16="http://schemas.microsoft.com/office/drawing/2014/main" xmlns="" id="{3638EDD7-C474-4F60-A879-2D9F25C5C837}"/>
               </a:ext>
             </a:extLst>
           </p:cNvPr>
@@ -2523,7 +2523,7 @@
           <p:cNvPr id="3" name="그림 개체 틀 2">
             <a:extLst>
               <a:ext uri="{FF2B5EF4-FFF2-40B4-BE49-F238E27FC236}">
-                <a16:creationId xmlns="" xmlns:a16="http://schemas.microsoft.com/office/drawing/2014/main" id="{F5C621B7-A284-4190-927D-C46111E81C3A}"/>
+                <a16:creationId xmlns:a16="http://schemas.microsoft.com/office/drawing/2014/main" xmlns="" id="{F5C621B7-A284-4190-927D-C46111E81C3A}"/>
               </a:ext>
             </a:extLst>
           </p:cNvPr>
@@ -2590,7 +2590,7 @@
           <p:cNvPr id="4" name="텍스트 개체 틀 3">
             <a:extLst>
               <a:ext uri="{FF2B5EF4-FFF2-40B4-BE49-F238E27FC236}">
-                <a16:creationId xmlns="" xmlns:a16="http://schemas.microsoft.com/office/drawing/2014/main" id="{58FBC0A5-9EED-4CCD-BF17-304DEB9343DC}"/>
+                <a16:creationId xmlns:a16="http://schemas.microsoft.com/office/drawing/2014/main" xmlns="" id="{58FBC0A5-9EED-4CCD-BF17-304DEB9343DC}"/>
               </a:ext>
             </a:extLst>
           </p:cNvPr>
@@ -2661,7 +2661,7 @@
           <p:cNvPr id="5" name="날짜 개체 틀 4">
             <a:extLst>
               <a:ext uri="{FF2B5EF4-FFF2-40B4-BE49-F238E27FC236}">
-                <a16:creationId xmlns="" xmlns:a16="http://schemas.microsoft.com/office/drawing/2014/main" id="{257217CE-79F9-49B7-AC7D-DE938663A602}"/>
+                <a16:creationId xmlns:a16="http://schemas.microsoft.com/office/drawing/2014/main" xmlns="" id="{257217CE-79F9-49B7-AC7D-DE938663A602}"/>
               </a:ext>
             </a:extLst>
           </p:cNvPr>
@@ -2690,7 +2690,7 @@
           <p:cNvPr id="6" name="바닥글 개체 틀 5">
             <a:extLst>
               <a:ext uri="{FF2B5EF4-FFF2-40B4-BE49-F238E27FC236}">
-                <a16:creationId xmlns="" xmlns:a16="http://schemas.microsoft.com/office/drawing/2014/main" id="{9B645CCC-95DE-487A-BC43-140702B9618A}"/>
+                <a16:creationId xmlns:a16="http://schemas.microsoft.com/office/drawing/2014/main" xmlns="" id="{9B645CCC-95DE-487A-BC43-140702B9618A}"/>
               </a:ext>
             </a:extLst>
           </p:cNvPr>
@@ -2715,7 +2715,7 @@
           <p:cNvPr id="7" name="슬라이드 번호 개체 틀 6">
             <a:extLst>
               <a:ext uri="{FF2B5EF4-FFF2-40B4-BE49-F238E27FC236}">
-                <a16:creationId xmlns="" xmlns:a16="http://schemas.microsoft.com/office/drawing/2014/main" id="{AD47DEE2-7BC5-4BC8-BBBD-FBC8938E89A2}"/>
+                <a16:creationId xmlns:a16="http://schemas.microsoft.com/office/drawing/2014/main" xmlns="" id="{AD47DEE2-7BC5-4BC8-BBBD-FBC8938E89A2}"/>
               </a:ext>
             </a:extLst>
           </p:cNvPr>
@@ -2779,7 +2779,7 @@
           <p:cNvPr id="2" name="제목 개체 틀 1">
             <a:extLst>
               <a:ext uri="{FF2B5EF4-FFF2-40B4-BE49-F238E27FC236}">
-                <a16:creationId xmlns="" xmlns:a16="http://schemas.microsoft.com/office/drawing/2014/main" id="{9C8DF3EB-0563-436F-945A-C15029E5CF93}"/>
+                <a16:creationId xmlns:a16="http://schemas.microsoft.com/office/drawing/2014/main" xmlns="" id="{9C8DF3EB-0563-436F-945A-C15029E5CF93}"/>
               </a:ext>
             </a:extLst>
           </p:cNvPr>
@@ -2817,7 +2817,7 @@
           <p:cNvPr id="3" name="텍스트 개체 틀 2">
             <a:extLst>
               <a:ext uri="{FF2B5EF4-FFF2-40B4-BE49-F238E27FC236}">
-                <a16:creationId xmlns="" xmlns:a16="http://schemas.microsoft.com/office/drawing/2014/main" id="{39035A31-2EFA-42FD-B660-3C4839E70CF4}"/>
+                <a16:creationId xmlns:a16="http://schemas.microsoft.com/office/drawing/2014/main" xmlns="" id="{39035A31-2EFA-42FD-B660-3C4839E70CF4}"/>
               </a:ext>
             </a:extLst>
           </p:cNvPr>
@@ -2884,7 +2884,7 @@
           <p:cNvPr id="4" name="날짜 개체 틀 3">
             <a:extLst>
               <a:ext uri="{FF2B5EF4-FFF2-40B4-BE49-F238E27FC236}">
-                <a16:creationId xmlns="" xmlns:a16="http://schemas.microsoft.com/office/drawing/2014/main" id="{4446474B-50D2-447C-9A37-6465986A588F}"/>
+                <a16:creationId xmlns:a16="http://schemas.microsoft.com/office/drawing/2014/main" xmlns="" id="{4446474B-50D2-447C-9A37-6465986A588F}"/>
               </a:ext>
             </a:extLst>
           </p:cNvPr>
@@ -2931,7 +2931,7 @@
           <p:cNvPr id="5" name="바닥글 개체 틀 4">
             <a:extLst>
               <a:ext uri="{FF2B5EF4-FFF2-40B4-BE49-F238E27FC236}">
-                <a16:creationId xmlns="" xmlns:a16="http://schemas.microsoft.com/office/drawing/2014/main" id="{844942D3-680B-4CC1-BC97-2E4257A8A65E}"/>
+                <a16:creationId xmlns:a16="http://schemas.microsoft.com/office/drawing/2014/main" xmlns="" id="{844942D3-680B-4CC1-BC97-2E4257A8A65E}"/>
               </a:ext>
             </a:extLst>
           </p:cNvPr>
@@ -2974,7 +2974,7 @@
           <p:cNvPr id="6" name="슬라이드 번호 개체 틀 5">
             <a:extLst>
               <a:ext uri="{FF2B5EF4-FFF2-40B4-BE49-F238E27FC236}">
-                <a16:creationId xmlns="" xmlns:a16="http://schemas.microsoft.com/office/drawing/2014/main" id="{376DB81B-54E7-4B87-8E5A-0E918CCBAF6C}"/>
+                <a16:creationId xmlns:a16="http://schemas.microsoft.com/office/drawing/2014/main" xmlns="" id="{376DB81B-54E7-4B87-8E5A-0E918CCBAF6C}"/>
               </a:ext>
             </a:extLst>
           </p:cNvPr>
@@ -3342,7 +3342,7 @@
           <p:cNvPr id="2" name="제목 1">
             <a:extLst>
               <a:ext uri="{FF2B5EF4-FFF2-40B4-BE49-F238E27FC236}">
-                <a16:creationId xmlns="" xmlns:a16="http://schemas.microsoft.com/office/drawing/2014/main" id="{D46D6179-4A9A-4393-8102-6D137F5D36BA}"/>
+                <a16:creationId xmlns:a16="http://schemas.microsoft.com/office/drawing/2014/main" xmlns="" id="{D46D6179-4A9A-4393-8102-6D137F5D36BA}"/>
               </a:ext>
             </a:extLst>
           </p:cNvPr>
@@ -3430,7 +3430,7 @@
           <p:cNvPr id="2" name="제목 1">
             <a:extLst>
               <a:ext uri="{FF2B5EF4-FFF2-40B4-BE49-F238E27FC236}">
-                <a16:creationId xmlns="" xmlns:a16="http://schemas.microsoft.com/office/drawing/2014/main" id="{9970B029-687C-48F9-B755-F6FA7EDDC7B7}"/>
+                <a16:creationId xmlns:a16="http://schemas.microsoft.com/office/drawing/2014/main" xmlns="" id="{9970B029-687C-48F9-B755-F6FA7EDDC7B7}"/>
               </a:ext>
             </a:extLst>
           </p:cNvPr>
@@ -3463,7 +3463,7 @@
           <p:cNvPr id="8" name="TextBox 7">
             <a:extLst>
               <a:ext uri="{FF2B5EF4-FFF2-40B4-BE49-F238E27FC236}">
-                <a16:creationId xmlns="" xmlns:a16="http://schemas.microsoft.com/office/drawing/2014/main" id="{68A48373-FFA3-45FF-A4CD-19E4564DFEDD}"/>
+                <a16:creationId xmlns:a16="http://schemas.microsoft.com/office/drawing/2014/main" xmlns="" id="{68A48373-FFA3-45FF-A4CD-19E4564DFEDD}"/>
               </a:ext>
             </a:extLst>
           </p:cNvPr>
@@ -3545,7 +3545,7 @@
           <p:cNvPr id="9" name="TextBox 8">
             <a:extLst>
               <a:ext uri="{FF2B5EF4-FFF2-40B4-BE49-F238E27FC236}">
-                <a16:creationId xmlns="" xmlns:a16="http://schemas.microsoft.com/office/drawing/2014/main" id="{8460FB8C-AF31-498B-8513-2289CEA3C642}"/>
+                <a16:creationId xmlns:a16="http://schemas.microsoft.com/office/drawing/2014/main" xmlns="" id="{8460FB8C-AF31-498B-8513-2289CEA3C642}"/>
               </a:ext>
             </a:extLst>
           </p:cNvPr>
@@ -3620,7 +3620,7 @@
           <p:cNvPr id="14" name="직선 화살표 연결선 13">
             <a:extLst>
               <a:ext uri="{FF2B5EF4-FFF2-40B4-BE49-F238E27FC236}">
-                <a16:creationId xmlns="" xmlns:a16="http://schemas.microsoft.com/office/drawing/2014/main" id="{9F9743C9-CA4F-41D8-B12A-219903D8B851}"/>
+                <a16:creationId xmlns:a16="http://schemas.microsoft.com/office/drawing/2014/main" xmlns="" id="{9F9743C9-CA4F-41D8-B12A-219903D8B851}"/>
               </a:ext>
             </a:extLst>
           </p:cNvPr>
@@ -3665,7 +3665,7 @@
           <p:cNvPr id="13" name="직선 화살표 연결선 12">
             <a:extLst>
               <a:ext uri="{FF2B5EF4-FFF2-40B4-BE49-F238E27FC236}">
-                <a16:creationId xmlns="" xmlns:a16="http://schemas.microsoft.com/office/drawing/2014/main" id="{9F9743C9-CA4F-41D8-B12A-219903D8B851}"/>
+                <a16:creationId xmlns:a16="http://schemas.microsoft.com/office/drawing/2014/main" xmlns="" id="{9F9743C9-CA4F-41D8-B12A-219903D8B851}"/>
               </a:ext>
             </a:extLst>
           </p:cNvPr>
@@ -3769,7 +3769,7 @@
           <p:cNvPr id="2" name="제목 1">
             <a:extLst>
               <a:ext uri="{FF2B5EF4-FFF2-40B4-BE49-F238E27FC236}">
-                <a16:creationId xmlns="" xmlns:a16="http://schemas.microsoft.com/office/drawing/2014/main" id="{9970B029-687C-48F9-B755-F6FA7EDDC7B7}"/>
+                <a16:creationId xmlns:a16="http://schemas.microsoft.com/office/drawing/2014/main" xmlns="" id="{9970B029-687C-48F9-B755-F6FA7EDDC7B7}"/>
               </a:ext>
             </a:extLst>
           </p:cNvPr>
@@ -3802,7 +3802,7 @@
           <p:cNvPr id="8" name="TextBox 7">
             <a:extLst>
               <a:ext uri="{FF2B5EF4-FFF2-40B4-BE49-F238E27FC236}">
-                <a16:creationId xmlns="" xmlns:a16="http://schemas.microsoft.com/office/drawing/2014/main" id="{68A48373-FFA3-45FF-A4CD-19E4564DFEDD}"/>
+                <a16:creationId xmlns:a16="http://schemas.microsoft.com/office/drawing/2014/main" xmlns="" id="{68A48373-FFA3-45FF-A4CD-19E4564DFEDD}"/>
               </a:ext>
             </a:extLst>
           </p:cNvPr>
@@ -3858,7 +3858,7 @@
           <p:cNvPr id="9" name="TextBox 8">
             <a:extLst>
               <a:ext uri="{FF2B5EF4-FFF2-40B4-BE49-F238E27FC236}">
-                <a16:creationId xmlns="" xmlns:a16="http://schemas.microsoft.com/office/drawing/2014/main" id="{8460FB8C-AF31-498B-8513-2289CEA3C642}"/>
+                <a16:creationId xmlns:a16="http://schemas.microsoft.com/office/drawing/2014/main" xmlns="" id="{8460FB8C-AF31-498B-8513-2289CEA3C642}"/>
               </a:ext>
             </a:extLst>
           </p:cNvPr>
@@ -3958,7 +3958,7 @@
           <p:cNvPr id="14" name="직선 화살표 연결선 13">
             <a:extLst>
               <a:ext uri="{FF2B5EF4-FFF2-40B4-BE49-F238E27FC236}">
-                <a16:creationId xmlns="" xmlns:a16="http://schemas.microsoft.com/office/drawing/2014/main" id="{9F9743C9-CA4F-41D8-B12A-219903D8B851}"/>
+                <a16:creationId xmlns:a16="http://schemas.microsoft.com/office/drawing/2014/main" xmlns="" id="{9F9743C9-CA4F-41D8-B12A-219903D8B851}"/>
               </a:ext>
             </a:extLst>
           </p:cNvPr>
@@ -4003,7 +4003,7 @@
           <p:cNvPr id="13" name="직선 화살표 연결선 12">
             <a:extLst>
               <a:ext uri="{FF2B5EF4-FFF2-40B4-BE49-F238E27FC236}">
-                <a16:creationId xmlns="" xmlns:a16="http://schemas.microsoft.com/office/drawing/2014/main" id="{9F9743C9-CA4F-41D8-B12A-219903D8B851}"/>
+                <a16:creationId xmlns:a16="http://schemas.microsoft.com/office/drawing/2014/main" xmlns="" id="{9F9743C9-CA4F-41D8-B12A-219903D8B851}"/>
               </a:ext>
             </a:extLst>
           </p:cNvPr>
@@ -4047,7 +4047,7 @@
           <p:cNvPr id="16" name="TextBox 15">
             <a:extLst>
               <a:ext uri="{FF2B5EF4-FFF2-40B4-BE49-F238E27FC236}">
-                <a16:creationId xmlns="" xmlns:a16="http://schemas.microsoft.com/office/drawing/2014/main" id="{68A48373-FFA3-45FF-A4CD-19E4564DFEDD}"/>
+                <a16:creationId xmlns:a16="http://schemas.microsoft.com/office/drawing/2014/main" xmlns="" id="{68A48373-FFA3-45FF-A4CD-19E4564DFEDD}"/>
               </a:ext>
             </a:extLst>
           </p:cNvPr>
@@ -4125,7 +4125,7 @@
           <p:cNvPr id="2" name="제목 1">
             <a:extLst>
               <a:ext uri="{FF2B5EF4-FFF2-40B4-BE49-F238E27FC236}">
-                <a16:creationId xmlns="" xmlns:a16="http://schemas.microsoft.com/office/drawing/2014/main" id="{9970B029-687C-48F9-B755-F6FA7EDDC7B7}"/>
+                <a16:creationId xmlns:a16="http://schemas.microsoft.com/office/drawing/2014/main" xmlns="" id="{9970B029-687C-48F9-B755-F6FA7EDDC7B7}"/>
               </a:ext>
             </a:extLst>
           </p:cNvPr>
@@ -4247,7 +4247,7 @@
           <p:cNvPr id="2" name="제목 1">
             <a:extLst>
               <a:ext uri="{FF2B5EF4-FFF2-40B4-BE49-F238E27FC236}">
-                <a16:creationId xmlns="" xmlns:a16="http://schemas.microsoft.com/office/drawing/2014/main" id="{9970B029-687C-48F9-B755-F6FA7EDDC7B7}"/>
+                <a16:creationId xmlns:a16="http://schemas.microsoft.com/office/drawing/2014/main" xmlns="" id="{9970B029-687C-48F9-B755-F6FA7EDDC7B7}"/>
               </a:ext>
             </a:extLst>
           </p:cNvPr>
@@ -4275,7 +4275,7 @@
           <p:cNvPr id="8" name="TextBox 7">
             <a:extLst>
               <a:ext uri="{FF2B5EF4-FFF2-40B4-BE49-F238E27FC236}">
-                <a16:creationId xmlns="" xmlns:a16="http://schemas.microsoft.com/office/drawing/2014/main" id="{E1C3F850-E3FB-4705-8F1E-5F13FE97ECCB}"/>
+                <a16:creationId xmlns:a16="http://schemas.microsoft.com/office/drawing/2014/main" xmlns="" id="{E1C3F850-E3FB-4705-8F1E-5F13FE97ECCB}"/>
               </a:ext>
             </a:extLst>
           </p:cNvPr>
@@ -4569,7 +4569,7 @@
           <p:cNvPr id="2" name="제목 1">
             <a:extLst>
               <a:ext uri="{FF2B5EF4-FFF2-40B4-BE49-F238E27FC236}">
-                <a16:creationId xmlns="" xmlns:a16="http://schemas.microsoft.com/office/drawing/2014/main" id="{9970B029-687C-48F9-B755-F6FA7EDDC7B7}"/>
+                <a16:creationId xmlns:a16="http://schemas.microsoft.com/office/drawing/2014/main" xmlns="" id="{9970B029-687C-48F9-B755-F6FA7EDDC7B7}"/>
               </a:ext>
             </a:extLst>
           </p:cNvPr>
@@ -4602,7 +4602,7 @@
           <p:cNvPr id="8" name="TextBox 7">
             <a:extLst>
               <a:ext uri="{FF2B5EF4-FFF2-40B4-BE49-F238E27FC236}">
-                <a16:creationId xmlns="" xmlns:a16="http://schemas.microsoft.com/office/drawing/2014/main" id="{604C606C-8D8C-43F7-82B9-011C07E8146F}"/>
+                <a16:creationId xmlns:a16="http://schemas.microsoft.com/office/drawing/2014/main" xmlns="" id="{604C606C-8D8C-43F7-82B9-011C07E8146F}"/>
               </a:ext>
             </a:extLst>
           </p:cNvPr>
@@ -4900,7 +4900,7 @@
           <p:cNvPr id="2" name="제목 1">
             <a:extLst>
               <a:ext uri="{FF2B5EF4-FFF2-40B4-BE49-F238E27FC236}">
-                <a16:creationId xmlns="" xmlns:a16="http://schemas.microsoft.com/office/drawing/2014/main" id="{9970B029-687C-48F9-B755-F6FA7EDDC7B7}"/>
+                <a16:creationId xmlns:a16="http://schemas.microsoft.com/office/drawing/2014/main" xmlns="" id="{9970B029-687C-48F9-B755-F6FA7EDDC7B7}"/>
               </a:ext>
             </a:extLst>
           </p:cNvPr>
@@ -4928,7 +4928,7 @@
           <p:cNvPr id="5" name="내용 개체 틀 4">
             <a:extLst>
               <a:ext uri="{FF2B5EF4-FFF2-40B4-BE49-F238E27FC236}">
-                <a16:creationId xmlns="" xmlns:a16="http://schemas.microsoft.com/office/drawing/2014/main" id="{C597179F-3441-4E73-857E-C2ABE4816DF2}"/>
+                <a16:creationId xmlns:a16="http://schemas.microsoft.com/office/drawing/2014/main" xmlns="" id="{C597179F-3441-4E73-857E-C2ABE4816DF2}"/>
               </a:ext>
             </a:extLst>
           </p:cNvPr>
@@ -4963,7 +4963,7 @@
           <p:cNvPr id="7" name="그림 6">
             <a:extLst>
               <a:ext uri="{FF2B5EF4-FFF2-40B4-BE49-F238E27FC236}">
-                <a16:creationId xmlns="" xmlns:a16="http://schemas.microsoft.com/office/drawing/2014/main" id="{C80CDC8C-2E59-4A76-9DD4-6CD6CB2F36D1}"/>
+                <a16:creationId xmlns:a16="http://schemas.microsoft.com/office/drawing/2014/main" xmlns="" id="{C80CDC8C-2E59-4A76-9DD4-6CD6CB2F36D1}"/>
               </a:ext>
             </a:extLst>
           </p:cNvPr>
@@ -4999,7 +4999,7 @@
           <p:cNvPr id="8" name="TextBox 7">
             <a:extLst>
               <a:ext uri="{FF2B5EF4-FFF2-40B4-BE49-F238E27FC236}">
-                <a16:creationId xmlns="" xmlns:a16="http://schemas.microsoft.com/office/drawing/2014/main" id="{AE5BE840-7FF1-4E5B-B7D1-4A924A74FAD4}"/>
+                <a16:creationId xmlns:a16="http://schemas.microsoft.com/office/drawing/2014/main" xmlns="" id="{AE5BE840-7FF1-4E5B-B7D1-4A924A74FAD4}"/>
               </a:ext>
             </a:extLst>
           </p:cNvPr>
@@ -5106,7 +5106,7 @@
           <p:cNvPr id="10" name="직선 화살표 연결선 9">
             <a:extLst>
               <a:ext uri="{FF2B5EF4-FFF2-40B4-BE49-F238E27FC236}">
-                <a16:creationId xmlns="" xmlns:a16="http://schemas.microsoft.com/office/drawing/2014/main" id="{96484FD6-D56D-47FA-8730-A3542E9004AD}"/>
+                <a16:creationId xmlns:a16="http://schemas.microsoft.com/office/drawing/2014/main" xmlns="" id="{96484FD6-D56D-47FA-8730-A3542E9004AD}"/>
               </a:ext>
             </a:extLst>
           </p:cNvPr>
@@ -5185,7 +5185,7 @@
           <p:cNvPr id="2" name="제목 1">
             <a:extLst>
               <a:ext uri="{FF2B5EF4-FFF2-40B4-BE49-F238E27FC236}">
-                <a16:creationId xmlns="" xmlns:a16="http://schemas.microsoft.com/office/drawing/2014/main" id="{9970B029-687C-48F9-B755-F6FA7EDDC7B7}"/>
+                <a16:creationId xmlns:a16="http://schemas.microsoft.com/office/drawing/2014/main" xmlns="" id="{9970B029-687C-48F9-B755-F6FA7EDDC7B7}"/>
               </a:ext>
             </a:extLst>
           </p:cNvPr>
@@ -5218,7 +5218,7 @@
           <p:cNvPr id="6" name="TextBox 5">
             <a:extLst>
               <a:ext uri="{FF2B5EF4-FFF2-40B4-BE49-F238E27FC236}">
-                <a16:creationId xmlns="" xmlns:a16="http://schemas.microsoft.com/office/drawing/2014/main" id="{8DB8BE06-D9D4-498D-9595-492429B05E03}"/>
+                <a16:creationId xmlns:a16="http://schemas.microsoft.com/office/drawing/2014/main" xmlns="" id="{8DB8BE06-D9D4-498D-9595-492429B05E03}"/>
               </a:ext>
             </a:extLst>
           </p:cNvPr>
@@ -5401,7 +5401,7 @@
           <p:cNvPr id="7" name="직선 화살표 연결선 6">
             <a:extLst>
               <a:ext uri="{FF2B5EF4-FFF2-40B4-BE49-F238E27FC236}">
-                <a16:creationId xmlns="" xmlns:a16="http://schemas.microsoft.com/office/drawing/2014/main" id="{96484FD6-D56D-47FA-8730-A3542E9004AD}"/>
+                <a16:creationId xmlns:a16="http://schemas.microsoft.com/office/drawing/2014/main" xmlns="" id="{96484FD6-D56D-47FA-8730-A3542E9004AD}"/>
               </a:ext>
             </a:extLst>
           </p:cNvPr>
@@ -5480,7 +5480,7 @@
           <p:cNvPr id="2" name="제목 1">
             <a:extLst>
               <a:ext uri="{FF2B5EF4-FFF2-40B4-BE49-F238E27FC236}">
-                <a16:creationId xmlns="" xmlns:a16="http://schemas.microsoft.com/office/drawing/2014/main" id="{9970B029-687C-48F9-B755-F6FA7EDDC7B7}"/>
+                <a16:creationId xmlns:a16="http://schemas.microsoft.com/office/drawing/2014/main" xmlns="" id="{9970B029-687C-48F9-B755-F6FA7EDDC7B7}"/>
               </a:ext>
             </a:extLst>
           </p:cNvPr>
@@ -5604,12 +5604,41 @@
           <a:chExt cx="0" cy="0"/>
         </a:xfrm>
       </p:grpSpPr>
+      <p:pic>
+        <p:nvPicPr>
+          <p:cNvPr id="5" name="내용 개체 틀 4"/>
+          <p:cNvPicPr>
+            <a:picLocks noGrp="1" noChangeAspect="1"/>
+          </p:cNvPicPr>
+          <p:nvPr>
+            <p:ph idx="1"/>
+          </p:nvPr>
+        </p:nvPicPr>
+        <p:blipFill>
+          <a:blip r:embed="rId2">
+            <a:extLst>
+              <a:ext uri="{28A0092B-C50C-407E-A947-70E740481C1C}">
+                <a14:useLocalDpi xmlns:a14="http://schemas.microsoft.com/office/drawing/2010/main" val="0"/>
+              </a:ext>
+            </a:extLst>
+          </a:blip>
+          <a:stretch>
+            <a:fillRect/>
+          </a:stretch>
+        </p:blipFill>
+        <p:spPr>
+          <a:xfrm>
+            <a:off x="182497" y="1310029"/>
+            <a:ext cx="6076413" cy="5298591"/>
+          </a:xfrm>
+        </p:spPr>
+      </p:pic>
       <p:sp>
         <p:nvSpPr>
           <p:cNvPr id="2" name="제목 1">
             <a:extLst>
               <a:ext uri="{FF2B5EF4-FFF2-40B4-BE49-F238E27FC236}">
-                <a16:creationId xmlns="" xmlns:a16="http://schemas.microsoft.com/office/drawing/2014/main" id="{9970B029-687C-48F9-B755-F6FA7EDDC7B7}"/>
+                <a16:creationId xmlns:a16="http://schemas.microsoft.com/office/drawing/2014/main" xmlns="" id="{9970B029-687C-48F9-B755-F6FA7EDDC7B7}"/>
               </a:ext>
             </a:extLst>
           </p:cNvPr>
@@ -5642,7 +5671,7 @@
           <p:cNvPr id="9" name="TextBox 8">
             <a:extLst>
               <a:ext uri="{FF2B5EF4-FFF2-40B4-BE49-F238E27FC236}">
-                <a16:creationId xmlns="" xmlns:a16="http://schemas.microsoft.com/office/drawing/2014/main" id="{C312CFB5-074B-42F1-AD50-3886550302FF}"/>
+                <a16:creationId xmlns:a16="http://schemas.microsoft.com/office/drawing/2014/main" xmlns="" id="{C312CFB5-074B-42F1-AD50-3886550302FF}"/>
               </a:ext>
             </a:extLst>
           </p:cNvPr>
@@ -5846,41 +5875,12 @@
           </a:p>
         </p:txBody>
       </p:sp>
-      <p:pic>
-        <p:nvPicPr>
-          <p:cNvPr id="4" name="내용 개체 틀 3"/>
-          <p:cNvPicPr>
-            <a:picLocks noGrp="1" noChangeAspect="1"/>
-          </p:cNvPicPr>
-          <p:nvPr>
-            <p:ph idx="1"/>
-          </p:nvPr>
-        </p:nvPicPr>
-        <p:blipFill>
-          <a:blip r:embed="rId2">
-            <a:extLst>
-              <a:ext uri="{28A0092B-C50C-407E-A947-70E740481C1C}">
-                <a14:useLocalDpi xmlns:a14="http://schemas.microsoft.com/office/drawing/2010/main" val="0"/>
-              </a:ext>
-            </a:extLst>
-          </a:blip>
-          <a:stretch>
-            <a:fillRect/>
-          </a:stretch>
-        </p:blipFill>
-        <p:spPr>
-          <a:xfrm>
-            <a:off x="0" y="1269870"/>
-            <a:ext cx="6258910" cy="5425814"/>
-          </a:xfrm>
-        </p:spPr>
-      </p:pic>
       <p:cxnSp>
         <p:nvCxnSpPr>
           <p:cNvPr id="10" name="직선 화살표 연결선 9">
             <a:extLst>
               <a:ext uri="{FF2B5EF4-FFF2-40B4-BE49-F238E27FC236}">
-                <a16:creationId xmlns="" xmlns:a16="http://schemas.microsoft.com/office/drawing/2014/main" id="{96484FD6-D56D-47FA-8730-A3542E9004AD}"/>
+                <a16:creationId xmlns:a16="http://schemas.microsoft.com/office/drawing/2014/main" xmlns="" id="{96484FD6-D56D-47FA-8730-A3542E9004AD}"/>
               </a:ext>
             </a:extLst>
           </p:cNvPr>
@@ -5924,7 +5924,7 @@
           <p:cNvPr id="14" name="직선 화살표 연결선 13">
             <a:extLst>
               <a:ext uri="{FF2B5EF4-FFF2-40B4-BE49-F238E27FC236}">
-                <a16:creationId xmlns="" xmlns:a16="http://schemas.microsoft.com/office/drawing/2014/main" id="{96484FD6-D56D-47FA-8730-A3542E9004AD}"/>
+                <a16:creationId xmlns:a16="http://schemas.microsoft.com/office/drawing/2014/main" xmlns="" id="{96484FD6-D56D-47FA-8730-A3542E9004AD}"/>
               </a:ext>
             </a:extLst>
           </p:cNvPr>
@@ -5934,9 +5934,9 @@
           <p:nvPr/>
         </p:nvCxnSpPr>
         <p:spPr>
-          <a:xfrm flipH="1" flipV="1">
-            <a:off x="1608084" y="3559510"/>
-            <a:ext cx="4923970" cy="428176"/>
+          <a:xfrm flipH="1">
+            <a:off x="1842868" y="3987686"/>
+            <a:ext cx="4689186" cy="190419"/>
           </a:xfrm>
           <a:prstGeom prst="straightConnector1">
             <a:avLst/>
@@ -6000,12 +6000,42 @@
           <a:chExt cx="0" cy="0"/>
         </a:xfrm>
       </p:grpSpPr>
+      <p:pic>
+        <p:nvPicPr>
+          <p:cNvPr id="3" name="그림 2"/>
+          <p:cNvPicPr>
+            <a:picLocks noChangeAspect="1"/>
+          </p:cNvPicPr>
+          <p:nvPr/>
+        </p:nvPicPr>
+        <p:blipFill>
+          <a:blip r:embed="rId2">
+            <a:extLst>
+              <a:ext uri="{28A0092B-C50C-407E-A947-70E740481C1C}">
+                <a14:useLocalDpi xmlns:a14="http://schemas.microsoft.com/office/drawing/2010/main" val="0"/>
+              </a:ext>
+            </a:extLst>
+          </a:blip>
+          <a:stretch>
+            <a:fillRect/>
+          </a:stretch>
+        </p:blipFill>
+        <p:spPr>
+          <a:xfrm>
+            <a:off x="0" y="1938537"/>
+            <a:ext cx="7577083" cy="3658966"/>
+          </a:xfrm>
+          <a:prstGeom prst="rect">
+            <a:avLst/>
+          </a:prstGeom>
+        </p:spPr>
+      </p:pic>
       <p:sp>
         <p:nvSpPr>
           <p:cNvPr id="2" name="제목 1">
             <a:extLst>
               <a:ext uri="{FF2B5EF4-FFF2-40B4-BE49-F238E27FC236}">
-                <a16:creationId xmlns="" xmlns:a16="http://schemas.microsoft.com/office/drawing/2014/main" id="{9970B029-687C-48F9-B755-F6FA7EDDC7B7}"/>
+                <a16:creationId xmlns:a16="http://schemas.microsoft.com/office/drawing/2014/main" xmlns="" id="{9970B029-687C-48F9-B755-F6FA7EDDC7B7}"/>
               </a:ext>
             </a:extLst>
           </p:cNvPr>
@@ -6038,7 +6068,7 @@
           <p:cNvPr id="9" name="TextBox 8">
             <a:extLst>
               <a:ext uri="{FF2B5EF4-FFF2-40B4-BE49-F238E27FC236}">
-                <a16:creationId xmlns="" xmlns:a16="http://schemas.microsoft.com/office/drawing/2014/main" id="{C312CFB5-074B-42F1-AD50-3886550302FF}"/>
+                <a16:creationId xmlns:a16="http://schemas.microsoft.com/office/drawing/2014/main" xmlns="" id="{C312CFB5-074B-42F1-AD50-3886550302FF}"/>
               </a:ext>
             </a:extLst>
           </p:cNvPr>
@@ -6104,42 +6134,12 @@
           </a:p>
         </p:txBody>
       </p:sp>
-      <p:pic>
-        <p:nvPicPr>
-          <p:cNvPr id="6" name="그림 5"/>
-          <p:cNvPicPr>
-            <a:picLocks noChangeAspect="1"/>
-          </p:cNvPicPr>
-          <p:nvPr/>
-        </p:nvPicPr>
-        <p:blipFill>
-          <a:blip r:embed="rId2">
-            <a:extLst>
-              <a:ext uri="{28A0092B-C50C-407E-A947-70E740481C1C}">
-                <a14:useLocalDpi xmlns:a14="http://schemas.microsoft.com/office/drawing/2010/main" val="0"/>
-              </a:ext>
-            </a:extLst>
-          </a:blip>
-          <a:stretch>
-            <a:fillRect/>
-          </a:stretch>
-        </p:blipFill>
-        <p:spPr>
-          <a:xfrm>
-            <a:off x="0" y="1996343"/>
-            <a:ext cx="7289260" cy="3647711"/>
-          </a:xfrm>
-          <a:prstGeom prst="rect">
-            <a:avLst/>
-          </a:prstGeom>
-        </p:spPr>
-      </p:pic>
       <p:cxnSp>
         <p:nvCxnSpPr>
           <p:cNvPr id="7" name="직선 화살표 연결선 6">
             <a:extLst>
               <a:ext uri="{FF2B5EF4-FFF2-40B4-BE49-F238E27FC236}">
-                <a16:creationId xmlns="" xmlns:a16="http://schemas.microsoft.com/office/drawing/2014/main" id="{96484FD6-D56D-47FA-8730-A3542E9004AD}"/>
+                <a16:creationId xmlns:a16="http://schemas.microsoft.com/office/drawing/2014/main" xmlns="" id="{96484FD6-D56D-47FA-8730-A3542E9004AD}"/>
               </a:ext>
             </a:extLst>
           </p:cNvPr>
@@ -6148,8 +6148,8 @@
         </p:nvCxnSpPr>
         <p:spPr>
           <a:xfrm flipH="1" flipV="1">
-            <a:off x="2653113" y="3184760"/>
-            <a:ext cx="4923970" cy="520405"/>
+            <a:off x="2897945" y="2799471"/>
+            <a:ext cx="4679138" cy="905695"/>
           </a:xfrm>
           <a:prstGeom prst="straightConnector1">
             <a:avLst/>
@@ -6218,7 +6218,7 @@
           <p:cNvPr id="2" name="제목 1">
             <a:extLst>
               <a:ext uri="{FF2B5EF4-FFF2-40B4-BE49-F238E27FC236}">
-                <a16:creationId xmlns="" xmlns:a16="http://schemas.microsoft.com/office/drawing/2014/main" id="{9970B029-687C-48F9-B755-F6FA7EDDC7B7}"/>
+                <a16:creationId xmlns:a16="http://schemas.microsoft.com/office/drawing/2014/main" xmlns="" id="{9970B029-687C-48F9-B755-F6FA7EDDC7B7}"/>
               </a:ext>
             </a:extLst>
           </p:cNvPr>
@@ -6248,7 +6248,7 @@
       </p:sp>
       <p:pic>
         <p:nvPicPr>
-          <p:cNvPr id="4" name="내용 개체 틀 3"/>
+          <p:cNvPr id="6" name="내용 개체 틀 5"/>
           <p:cNvPicPr>
             <a:picLocks noGrp="1" noChangeAspect="1"/>
           </p:cNvPicPr>
@@ -6270,14 +6270,14 @@
         </p:blipFill>
         <p:spPr>
           <a:xfrm>
-            <a:off x="1418770" y="1578904"/>
-            <a:ext cx="6099629" cy="5279096"/>
+            <a:off x="3215131" y="0"/>
+            <a:ext cx="3481395" cy="6858000"/>
           </a:xfrm>
         </p:spPr>
       </p:pic>
       <p:pic>
         <p:nvPicPr>
-          <p:cNvPr id="5" name="그림 4"/>
+          <p:cNvPr id="7" name="그림 6"/>
           <p:cNvPicPr>
             <a:picLocks noChangeAspect="1"/>
           </p:cNvPicPr>
@@ -6297,8 +6297,8 @@
         </p:blipFill>
         <p:spPr>
           <a:xfrm>
-            <a:off x="7800975" y="0"/>
-            <a:ext cx="3552825" cy="6858000"/>
+            <a:off x="7564022" y="0"/>
+            <a:ext cx="3619500" cy="6858000"/>
           </a:xfrm>
           <a:prstGeom prst="rect">
             <a:avLst/>
